--- a/HW_1_programming_set/HW_1_programming/HW1.pptx
+++ b/HW_1_programming_set/HW_1_programming/HW1.pptx
@@ -5,10 +5,10 @@
     <p:sldMasterId id="2147483648" r:id="rId1"/>
   </p:sldMasterIdLst>
   <p:notesMasterIdLst>
-    <p:notesMasterId r:id="rId21"/>
+    <p:notesMasterId r:id="rId22"/>
   </p:notesMasterIdLst>
   <p:handoutMasterIdLst>
-    <p:handoutMasterId r:id="rId22"/>
+    <p:handoutMasterId r:id="rId23"/>
   </p:handoutMasterIdLst>
   <p:sldIdLst>
     <p:sldId id="261" r:id="rId2"/>
@@ -30,6 +30,7 @@
     <p:sldId id="6152" r:id="rId18"/>
     <p:sldId id="6206" r:id="rId19"/>
     <p:sldId id="6164" r:id="rId20"/>
+    <p:sldId id="6207" r:id="rId21"/>
   </p:sldIdLst>
   <p:sldSz cx="12192000" cy="6858000"/>
   <p:notesSz cx="6858000" cy="9144000"/>
@@ -245,7 +246,7 @@
           <a:p>
             <a:fld id="{F0C8AC04-A67D-B24C-8E12-8FB56FC05672}" type="datetimeFigureOut">
               <a:rPr lang="en-US" smtClean="0"/>
-              <a:t>2/4/2025</a:t>
+              <a:t>9/5/2025</a:t>
             </a:fld>
             <a:endParaRPr lang="en-US"/>
           </a:p>
@@ -422,7 +423,7 @@
           <a:p>
             <a:fld id="{2DE3F71F-EE20-0840-B448-C2CC2398DE46}" type="datetimeFigureOut">
               <a:rPr lang="en-US" smtClean="0"/>
-              <a:t>2/4/2025</a:t>
+              <a:t>9/5/2025</a:t>
             </a:fld>
             <a:endParaRPr lang="en-US"/>
           </a:p>
@@ -864,7 +865,7 @@
           <a:p>
             <a:fld id="{BC88E0E4-2FF9-D642-903E-D1AE3C9B5C14}" type="slidenum">
               <a:rPr lang="en-US" smtClean="0"/>
-              <a:t>14</a:t>
+              <a:t>13</a:t>
             </a:fld>
             <a:endParaRPr lang="en-US"/>
           </a:p>
@@ -873,7 +874,7 @@
     </p:spTree>
     <p:extLst>
       <p:ext uri="{BB962C8B-B14F-4D97-AF65-F5344CB8AC3E}">
-        <p14:creationId xmlns:p14="http://schemas.microsoft.com/office/powerpoint/2010/main" val="3968331994"/>
+        <p14:creationId xmlns:p14="http://schemas.microsoft.com/office/powerpoint/2010/main" val="4000721444"/>
       </p:ext>
     </p:extLst>
   </p:cSld>
@@ -948,7 +949,7 @@
           <a:p>
             <a:fld id="{BC88E0E4-2FF9-D642-903E-D1AE3C9B5C14}" type="slidenum">
               <a:rPr lang="en-US" smtClean="0"/>
-              <a:t>15</a:t>
+              <a:t>14</a:t>
             </a:fld>
             <a:endParaRPr lang="en-US"/>
           </a:p>
@@ -957,7 +958,7 @@
     </p:spTree>
     <p:extLst>
       <p:ext uri="{BB962C8B-B14F-4D97-AF65-F5344CB8AC3E}">
-        <p14:creationId xmlns:p14="http://schemas.microsoft.com/office/powerpoint/2010/main" val="3353765360"/>
+        <p14:creationId xmlns:p14="http://schemas.microsoft.com/office/powerpoint/2010/main" val="3968331994"/>
       </p:ext>
     </p:extLst>
   </p:cSld>
@@ -1032,7 +1033,7 @@
           <a:p>
             <a:fld id="{BC88E0E4-2FF9-D642-903E-D1AE3C9B5C14}" type="slidenum">
               <a:rPr lang="en-US" smtClean="0"/>
-              <a:t>16</a:t>
+              <a:t>15</a:t>
             </a:fld>
             <a:endParaRPr lang="en-US"/>
           </a:p>
@@ -1041,7 +1042,7 @@
     </p:spTree>
     <p:extLst>
       <p:ext uri="{BB962C8B-B14F-4D97-AF65-F5344CB8AC3E}">
-        <p14:creationId xmlns:p14="http://schemas.microsoft.com/office/powerpoint/2010/main" val="3495080804"/>
+        <p14:creationId xmlns:p14="http://schemas.microsoft.com/office/powerpoint/2010/main" val="3353765360"/>
       </p:ext>
     </p:extLst>
   </p:cSld>
@@ -1116,6 +1117,90 @@
           <a:p>
             <a:fld id="{BC88E0E4-2FF9-D642-903E-D1AE3C9B5C14}" type="slidenum">
               <a:rPr lang="en-US" smtClean="0"/>
+              <a:t>16</a:t>
+            </a:fld>
+            <a:endParaRPr lang="en-US"/>
+          </a:p>
+        </p:txBody>
+      </p:sp>
+    </p:spTree>
+    <p:extLst>
+      <p:ext uri="{BB962C8B-B14F-4D97-AF65-F5344CB8AC3E}">
+        <p14:creationId xmlns:p14="http://schemas.microsoft.com/office/powerpoint/2010/main" val="3495080804"/>
+      </p:ext>
+    </p:extLst>
+  </p:cSld>
+  <p:clrMapOvr>
+    <a:masterClrMapping/>
+  </p:clrMapOvr>
+</p:notes>
+</file>
+
+<file path=ppt/notesSlides/notesSlide14.xml><?xml version="1.0" encoding="utf-8"?>
+<p:notes xmlns:a="http://schemas.openxmlformats.org/drawingml/2006/main" xmlns:r="http://schemas.openxmlformats.org/officeDocument/2006/relationships" xmlns:p="http://schemas.openxmlformats.org/presentationml/2006/main">
+  <p:cSld>
+    <p:spTree>
+      <p:nvGrpSpPr>
+        <p:cNvPr id="1" name=""/>
+        <p:cNvGrpSpPr/>
+        <p:nvPr/>
+      </p:nvGrpSpPr>
+      <p:grpSpPr>
+        <a:xfrm>
+          <a:off x="0" y="0"/>
+          <a:ext cx="0" cy="0"/>
+          <a:chOff x="0" y="0"/>
+          <a:chExt cx="0" cy="0"/>
+        </a:xfrm>
+      </p:grpSpPr>
+      <p:sp>
+        <p:nvSpPr>
+          <p:cNvPr id="2" name="Slide Image Placeholder 1"/>
+          <p:cNvSpPr>
+            <a:spLocks noGrp="1" noRot="1" noChangeAspect="1"/>
+          </p:cNvSpPr>
+          <p:nvPr>
+            <p:ph type="sldImg"/>
+          </p:nvPr>
+        </p:nvSpPr>
+        <p:spPr/>
+      </p:sp>
+      <p:sp>
+        <p:nvSpPr>
+          <p:cNvPr id="3" name="Notes Placeholder 2"/>
+          <p:cNvSpPr>
+            <a:spLocks noGrp="1"/>
+          </p:cNvSpPr>
+          <p:nvPr>
+            <p:ph type="body" idx="1"/>
+          </p:nvPr>
+        </p:nvSpPr>
+        <p:spPr/>
+        <p:txBody>
+          <a:bodyPr/>
+          <a:lstStyle/>
+          <a:p>
+            <a:endParaRPr lang="en-US" dirty="0"/>
+          </a:p>
+        </p:txBody>
+      </p:sp>
+      <p:sp>
+        <p:nvSpPr>
+          <p:cNvPr id="4" name="Slide Number Placeholder 3"/>
+          <p:cNvSpPr>
+            <a:spLocks noGrp="1"/>
+          </p:cNvSpPr>
+          <p:nvPr>
+            <p:ph type="sldNum" sz="quarter" idx="5"/>
+          </p:nvPr>
+        </p:nvSpPr>
+        <p:spPr/>
+        <p:txBody>
+          <a:bodyPr/>
+          <a:lstStyle/>
+          <a:p>
+            <a:fld id="{BC88E0E4-2FF9-D642-903E-D1AE3C9B5C14}" type="slidenum">
+              <a:rPr lang="en-US" smtClean="0"/>
               <a:t>17</a:t>
             </a:fld>
             <a:endParaRPr lang="en-US"/>
@@ -1135,7 +1220,7 @@
 </p:notes>
 </file>
 
-<file path=ppt/notesSlides/notesSlide14.xml><?xml version="1.0" encoding="utf-8"?>
+<file path=ppt/notesSlides/notesSlide15.xml><?xml version="1.0" encoding="utf-8"?>
 <p:notes xmlns:a="http://schemas.openxmlformats.org/drawingml/2006/main" xmlns:r="http://schemas.openxmlformats.org/officeDocument/2006/relationships" xmlns:p="http://schemas.openxmlformats.org/presentationml/2006/main">
   <p:cSld>
     <p:spTree>
@@ -1284,7 +1369,7 @@
           <a:p>
             <a:fld id="{BC88E0E4-2FF9-D642-903E-D1AE3C9B5C14}" type="slidenum">
               <a:rPr lang="en-US" smtClean="0"/>
-              <a:t>5</a:t>
+              <a:t>2</a:t>
             </a:fld>
             <a:endParaRPr lang="en-US"/>
           </a:p>
@@ -1293,7 +1378,7 @@
     </p:spTree>
     <p:extLst>
       <p:ext uri="{BB962C8B-B14F-4D97-AF65-F5344CB8AC3E}">
-        <p14:creationId xmlns:p14="http://schemas.microsoft.com/office/powerpoint/2010/main" val="3702168787"/>
+        <p14:creationId xmlns:p14="http://schemas.microsoft.com/office/powerpoint/2010/main" val="2052783348"/>
       </p:ext>
     </p:extLst>
   </p:cSld>
@@ -1368,7 +1453,7 @@
           <a:p>
             <a:fld id="{BC88E0E4-2FF9-D642-903E-D1AE3C9B5C14}" type="slidenum">
               <a:rPr lang="en-US" smtClean="0"/>
-              <a:t>6</a:t>
+              <a:t>5</a:t>
             </a:fld>
             <a:endParaRPr lang="en-US"/>
           </a:p>
@@ -1377,7 +1462,7 @@
     </p:spTree>
     <p:extLst>
       <p:ext uri="{BB962C8B-B14F-4D97-AF65-F5344CB8AC3E}">
-        <p14:creationId xmlns:p14="http://schemas.microsoft.com/office/powerpoint/2010/main" val="982172783"/>
+        <p14:creationId xmlns:p14="http://schemas.microsoft.com/office/powerpoint/2010/main" val="3702168787"/>
       </p:ext>
     </p:extLst>
   </p:cSld>
@@ -1452,7 +1537,7 @@
           <a:p>
             <a:fld id="{BC88E0E4-2FF9-D642-903E-D1AE3C9B5C14}" type="slidenum">
               <a:rPr lang="en-US" smtClean="0"/>
-              <a:t>7</a:t>
+              <a:t>6</a:t>
             </a:fld>
             <a:endParaRPr lang="en-US"/>
           </a:p>
@@ -1461,7 +1546,7 @@
     </p:spTree>
     <p:extLst>
       <p:ext uri="{BB962C8B-B14F-4D97-AF65-F5344CB8AC3E}">
-        <p14:creationId xmlns:p14="http://schemas.microsoft.com/office/powerpoint/2010/main" val="2609064021"/>
+        <p14:creationId xmlns:p14="http://schemas.microsoft.com/office/powerpoint/2010/main" val="982172783"/>
       </p:ext>
     </p:extLst>
   </p:cSld>
@@ -1536,7 +1621,7 @@
           <a:p>
             <a:fld id="{BC88E0E4-2FF9-D642-903E-D1AE3C9B5C14}" type="slidenum">
               <a:rPr lang="en-US" smtClean="0"/>
-              <a:t>9</a:t>
+              <a:t>7</a:t>
             </a:fld>
             <a:endParaRPr lang="en-US"/>
           </a:p>
@@ -1545,7 +1630,7 @@
     </p:spTree>
     <p:extLst>
       <p:ext uri="{BB962C8B-B14F-4D97-AF65-F5344CB8AC3E}">
-        <p14:creationId xmlns:p14="http://schemas.microsoft.com/office/powerpoint/2010/main" val="4144118548"/>
+        <p14:creationId xmlns:p14="http://schemas.microsoft.com/office/powerpoint/2010/main" val="2609064021"/>
       </p:ext>
     </p:extLst>
   </p:cSld>
@@ -1620,7 +1705,7 @@
           <a:p>
             <a:fld id="{BC88E0E4-2FF9-D642-903E-D1AE3C9B5C14}" type="slidenum">
               <a:rPr lang="en-US" smtClean="0"/>
-              <a:t>10</a:t>
+              <a:t>9</a:t>
             </a:fld>
             <a:endParaRPr lang="en-US"/>
           </a:p>
@@ -1629,7 +1714,7 @@
     </p:spTree>
     <p:extLst>
       <p:ext uri="{BB962C8B-B14F-4D97-AF65-F5344CB8AC3E}">
-        <p14:creationId xmlns:p14="http://schemas.microsoft.com/office/powerpoint/2010/main" val="2051143042"/>
+        <p14:creationId xmlns:p14="http://schemas.microsoft.com/office/powerpoint/2010/main" val="4144118548"/>
       </p:ext>
     </p:extLst>
   </p:cSld>
@@ -1704,7 +1789,7 @@
           <a:p>
             <a:fld id="{BC88E0E4-2FF9-D642-903E-D1AE3C9B5C14}" type="slidenum">
               <a:rPr lang="en-US" smtClean="0"/>
-              <a:t>11</a:t>
+              <a:t>10</a:t>
             </a:fld>
             <a:endParaRPr lang="en-US"/>
           </a:p>
@@ -1713,7 +1798,7 @@
     </p:spTree>
     <p:extLst>
       <p:ext uri="{BB962C8B-B14F-4D97-AF65-F5344CB8AC3E}">
-        <p14:creationId xmlns:p14="http://schemas.microsoft.com/office/powerpoint/2010/main" val="3294760390"/>
+        <p14:creationId xmlns:p14="http://schemas.microsoft.com/office/powerpoint/2010/main" val="2051143042"/>
       </p:ext>
     </p:extLst>
   </p:cSld>
@@ -1788,7 +1873,7 @@
           <a:p>
             <a:fld id="{BC88E0E4-2FF9-D642-903E-D1AE3C9B5C14}" type="slidenum">
               <a:rPr lang="en-US" smtClean="0"/>
-              <a:t>12</a:t>
+              <a:t>11</a:t>
             </a:fld>
             <a:endParaRPr lang="en-US"/>
           </a:p>
@@ -1797,7 +1882,7 @@
     </p:spTree>
     <p:extLst>
       <p:ext uri="{BB962C8B-B14F-4D97-AF65-F5344CB8AC3E}">
-        <p14:creationId xmlns:p14="http://schemas.microsoft.com/office/powerpoint/2010/main" val="1669228601"/>
+        <p14:creationId xmlns:p14="http://schemas.microsoft.com/office/powerpoint/2010/main" val="3294760390"/>
       </p:ext>
     </p:extLst>
   </p:cSld>
@@ -1872,7 +1957,7 @@
           <a:p>
             <a:fld id="{BC88E0E4-2FF9-D642-903E-D1AE3C9B5C14}" type="slidenum">
               <a:rPr lang="en-US" smtClean="0"/>
-              <a:t>13</a:t>
+              <a:t>12</a:t>
             </a:fld>
             <a:endParaRPr lang="en-US"/>
           </a:p>
@@ -1881,7 +1966,7 @@
     </p:spTree>
     <p:extLst>
       <p:ext uri="{BB962C8B-B14F-4D97-AF65-F5344CB8AC3E}">
-        <p14:creationId xmlns:p14="http://schemas.microsoft.com/office/powerpoint/2010/main" val="4000721444"/>
+        <p14:creationId xmlns:p14="http://schemas.microsoft.com/office/powerpoint/2010/main" val="1669228601"/>
       </p:ext>
     </p:extLst>
   </p:cSld>
@@ -4290,8 +4375,8 @@
           </a:p>
         </p:txBody>
       </p:sp>
-      <mc:AlternateContent xmlns:mc="http://schemas.openxmlformats.org/markup-compatibility/2006">
-        <mc:Choice xmlns:a14="http://schemas.microsoft.com/office/drawing/2010/main" Requires="a14">
+      <mc:AlternateContent xmlns:mc="http://schemas.openxmlformats.org/markup-compatibility/2006" xmlns:a14="http://schemas.microsoft.com/office/drawing/2010/main">
+        <mc:Choice Requires="a14">
           <p:sp>
             <p:nvSpPr>
               <p:cNvPr id="55" name="TextBox 54">
@@ -4562,7 +4647,7 @@
             </p:txBody>
           </p:sp>
         </mc:Choice>
-        <mc:Fallback>
+        <mc:Fallback xmlns="">
           <p:sp>
             <p:nvSpPr>
               <p:cNvPr id="55" name="TextBox 54">
@@ -4676,8 +4761,8 @@
             </a:p>
           </p:txBody>
         </p:sp>
-        <mc:AlternateContent xmlns:mc="http://schemas.openxmlformats.org/markup-compatibility/2006">
-          <mc:Choice xmlns:a14="http://schemas.microsoft.com/office/drawing/2010/main" Requires="a14">
+        <mc:AlternateContent xmlns:mc="http://schemas.openxmlformats.org/markup-compatibility/2006" xmlns:a14="http://schemas.microsoft.com/office/drawing/2010/main">
+          <mc:Choice Requires="a14">
             <p:sp>
               <p:nvSpPr>
                 <p:cNvPr id="58" name="TextBox 57">
@@ -4706,6 +4791,7 @@
                 </a:bodyPr>
                 <a:lstStyle/>
                 <a:p>
+                  <a:pPr/>
                   <a14:m>
                     <m:oMathPara xmlns:m="http://schemas.openxmlformats.org/officeDocument/2006/math">
                       <m:oMathParaPr>
@@ -4953,13 +5039,7 @@
                           <a:rPr lang="en-US" b="0" i="1" smtClean="0">
                             <a:latin typeface="Cambria Math" panose="02040503050406030204" pitchFamily="18" charset="0"/>
                           </a:rPr>
-                          <m:t>=</m:t>
-                        </m:r>
-                        <m:r>
-                          <a:rPr lang="en-US" b="0" i="1" smtClean="0">
-                            <a:latin typeface="Cambria Math" panose="02040503050406030204" pitchFamily="18" charset="0"/>
-                          </a:rPr>
-                          <m:t>0</m:t>
+                          <m:t>=0</m:t>
                         </m:r>
                       </m:oMath>
                     </m:oMathPara>
@@ -4972,7 +5052,7 @@
               </p:txBody>
             </p:sp>
           </mc:Choice>
-          <mc:Fallback>
+          <mc:Fallback xmlns="">
             <p:sp>
               <p:nvSpPr>
                 <p:cNvPr id="58" name="TextBox 57">
@@ -5323,8 +5403,8 @@
           </a:p>
         </p:txBody>
       </p:sp>
-      <mc:AlternateContent xmlns:mc="http://schemas.openxmlformats.org/markup-compatibility/2006">
-        <mc:Choice xmlns:a14="http://schemas.microsoft.com/office/drawing/2010/main" Requires="a14">
+      <mc:AlternateContent xmlns:mc="http://schemas.openxmlformats.org/markup-compatibility/2006" xmlns:a14="http://schemas.microsoft.com/office/drawing/2010/main">
+        <mc:Choice Requires="a14">
           <p:sp>
             <p:nvSpPr>
               <p:cNvPr id="55" name="TextBox 54">
@@ -5595,7 +5675,7 @@
             </p:txBody>
           </p:sp>
         </mc:Choice>
-        <mc:Fallback>
+        <mc:Fallback xmlns="">
           <p:sp>
             <p:nvSpPr>
               <p:cNvPr id="55" name="TextBox 54">
@@ -5769,8 +5849,8 @@
             </a:p>
           </p:txBody>
         </p:sp>
-        <mc:AlternateContent xmlns:mc="http://schemas.openxmlformats.org/markup-compatibility/2006">
-          <mc:Choice xmlns:a14="http://schemas.microsoft.com/office/drawing/2010/main" Requires="a14">
+        <mc:AlternateContent xmlns:mc="http://schemas.openxmlformats.org/markup-compatibility/2006" xmlns:a14="http://schemas.microsoft.com/office/drawing/2010/main">
+          <mc:Choice Requires="a14">
             <p:sp>
               <p:nvSpPr>
                 <p:cNvPr id="8" name="TextBox 7">
@@ -5799,6 +5879,7 @@
                 </a:bodyPr>
                 <a:lstStyle/>
                 <a:p>
+                  <a:pPr/>
                   <a14:m>
                     <m:oMathPara xmlns:m="http://schemas.openxmlformats.org/officeDocument/2006/math">
                       <m:oMathParaPr>
@@ -6046,13 +6127,7 @@
                           <a:rPr lang="en-US" b="0" i="1" smtClean="0">
                             <a:latin typeface="Cambria Math" panose="02040503050406030204" pitchFamily="18" charset="0"/>
                           </a:rPr>
-                          <m:t>=</m:t>
-                        </m:r>
-                        <m:r>
-                          <a:rPr lang="en-US" b="0" i="1" smtClean="0">
-                            <a:latin typeface="Cambria Math" panose="02040503050406030204" pitchFamily="18" charset="0"/>
-                          </a:rPr>
-                          <m:t>0</m:t>
+                          <m:t>=0</m:t>
                         </m:r>
                       </m:oMath>
                     </m:oMathPara>
@@ -6065,7 +6140,7 @@
               </p:txBody>
             </p:sp>
           </mc:Choice>
-          <mc:Fallback>
+          <mc:Fallback xmlns="">
             <p:sp>
               <p:nvSpPr>
                 <p:cNvPr id="8" name="TextBox 7">
@@ -6377,8 +6452,8 @@
             </a:p>
           </p:txBody>
         </p:sp>
-        <mc:AlternateContent xmlns:mc="http://schemas.openxmlformats.org/markup-compatibility/2006">
-          <mc:Choice xmlns:a14="http://schemas.microsoft.com/office/drawing/2010/main" Requires="a14">
+        <mc:AlternateContent xmlns:mc="http://schemas.openxmlformats.org/markup-compatibility/2006" xmlns:a14="http://schemas.microsoft.com/office/drawing/2010/main">
+          <mc:Choice Requires="a14">
             <p:sp>
               <p:nvSpPr>
                 <p:cNvPr id="12" name="TextBox 11">
@@ -6407,6 +6482,7 @@
                 </a:bodyPr>
                 <a:lstStyle/>
                 <a:p>
+                  <a:pPr/>
                   <a14:m>
                     <m:oMathPara xmlns:m="http://schemas.openxmlformats.org/officeDocument/2006/math">
                       <m:oMathParaPr>
@@ -6714,7 +6790,7 @@
               </p:txBody>
             </p:sp>
           </mc:Choice>
-          <mc:Fallback>
+          <mc:Fallback xmlns="">
             <p:sp>
               <p:nvSpPr>
                 <p:cNvPr id="12" name="TextBox 11">
@@ -6760,8 +6836,8 @@
           </mc:Fallback>
         </mc:AlternateContent>
       </p:grpSp>
-      <mc:AlternateContent xmlns:mc="http://schemas.openxmlformats.org/markup-compatibility/2006">
-        <mc:Choice xmlns:a14="http://schemas.microsoft.com/office/drawing/2010/main" Requires="a14">
+      <mc:AlternateContent xmlns:mc="http://schemas.openxmlformats.org/markup-compatibility/2006" xmlns:a14="http://schemas.microsoft.com/office/drawing/2010/main">
+        <mc:Choice Requires="a14">
           <p:sp>
             <p:nvSpPr>
               <p:cNvPr id="3" name="TextBox 2">
@@ -6790,6 +6866,7 @@
               </a:bodyPr>
               <a:lstStyle/>
               <a:p>
+                <a:pPr/>
                 <a14:m>
                   <m:oMathPara xmlns:m="http://schemas.openxmlformats.org/officeDocument/2006/math">
                     <m:oMathParaPr>
@@ -6943,7 +7020,7 @@
             </p:txBody>
           </p:sp>
         </mc:Choice>
-        <mc:Fallback>
+        <mc:Fallback xmlns="">
           <p:sp>
             <p:nvSpPr>
               <p:cNvPr id="3" name="TextBox 2">
@@ -6988,8 +7065,8 @@
           </p:sp>
         </mc:Fallback>
       </mc:AlternateContent>
-      <mc:AlternateContent xmlns:mc="http://schemas.openxmlformats.org/markup-compatibility/2006">
-        <mc:Choice xmlns:a14="http://schemas.microsoft.com/office/drawing/2010/main" Requires="a14">
+      <mc:AlternateContent xmlns:mc="http://schemas.openxmlformats.org/markup-compatibility/2006" xmlns:a14="http://schemas.microsoft.com/office/drawing/2010/main">
+        <mc:Choice Requires="a14">
           <p:sp>
             <p:nvSpPr>
               <p:cNvPr id="4" name="TextBox 3">
@@ -7124,7 +7201,7 @@
             </p:txBody>
           </p:sp>
         </mc:Choice>
-        <mc:Fallback>
+        <mc:Fallback xmlns="">
           <p:sp>
             <p:nvSpPr>
               <p:cNvPr id="4" name="TextBox 3">
@@ -7459,8 +7536,8 @@
             <a:chExt cx="7439069" cy="2826223"/>
           </a:xfrm>
         </p:grpSpPr>
-        <mc:AlternateContent xmlns:mc="http://schemas.openxmlformats.org/markup-compatibility/2006">
-          <mc:Choice xmlns:a14="http://schemas.microsoft.com/office/drawing/2010/main" Requires="a14">
+        <mc:AlternateContent xmlns:mc="http://schemas.openxmlformats.org/markup-compatibility/2006" xmlns:a14="http://schemas.microsoft.com/office/drawing/2010/main">
+          <mc:Choice Requires="a14">
             <p:sp>
               <p:nvSpPr>
                 <p:cNvPr id="58" name="TextBox 57">
@@ -8017,7 +8094,7 @@
               </p:txBody>
             </p:sp>
           </mc:Choice>
-          <mc:Fallback>
+          <mc:Fallback xmlns="">
             <p:sp>
               <p:nvSpPr>
                 <p:cNvPr id="58" name="TextBox 57">
@@ -8172,8 +8249,8 @@
           </a:prstGeom>
         </p:spPr>
       </p:pic>
-      <mc:AlternateContent xmlns:mc="http://schemas.openxmlformats.org/markup-compatibility/2006">
-        <mc:Choice xmlns:a14="http://schemas.microsoft.com/office/drawing/2010/main" Requires="a14">
+      <mc:AlternateContent xmlns:mc="http://schemas.openxmlformats.org/markup-compatibility/2006" xmlns:a14="http://schemas.microsoft.com/office/drawing/2010/main">
+        <mc:Choice Requires="a14">
           <p:sp>
             <p:nvSpPr>
               <p:cNvPr id="8" name="TextBox 7">
@@ -8202,6 +8279,7 @@
               </a:bodyPr>
               <a:lstStyle/>
               <a:p>
+                <a:pPr/>
                 <a14:m>
                   <m:oMathPara xmlns:m="http://schemas.openxmlformats.org/officeDocument/2006/math">
                     <m:oMathParaPr>
@@ -8535,7 +8613,7 @@
             </p:txBody>
           </p:sp>
         </mc:Choice>
-        <mc:Fallback>
+        <mc:Fallback xmlns="">
           <p:sp>
             <p:nvSpPr>
               <p:cNvPr id="8" name="TextBox 7">
@@ -8580,8 +8658,8 @@
           </p:sp>
         </mc:Fallback>
       </mc:AlternateContent>
-      <mc:AlternateContent xmlns:mc="http://schemas.openxmlformats.org/markup-compatibility/2006">
-        <mc:Choice xmlns:a14="http://schemas.microsoft.com/office/drawing/2010/main" Requires="a14">
+      <mc:AlternateContent xmlns:mc="http://schemas.openxmlformats.org/markup-compatibility/2006" xmlns:a14="http://schemas.microsoft.com/office/drawing/2010/main">
+        <mc:Choice Requires="a14">
           <p:sp>
             <p:nvSpPr>
               <p:cNvPr id="10" name="TextBox 9">
@@ -8714,7 +8792,7 @@
             </p:txBody>
           </p:sp>
         </mc:Choice>
-        <mc:Fallback>
+        <mc:Fallback xmlns="">
           <p:sp>
             <p:nvSpPr>
               <p:cNvPr id="10" name="TextBox 9">
@@ -9076,8 +9154,8 @@
             <a:chExt cx="5847116" cy="1555437"/>
           </a:xfrm>
         </p:grpSpPr>
-        <mc:AlternateContent xmlns:mc="http://schemas.openxmlformats.org/markup-compatibility/2006">
-          <mc:Choice xmlns:a14="http://schemas.microsoft.com/office/drawing/2010/main" Requires="a14">
+        <mc:AlternateContent xmlns:mc="http://schemas.openxmlformats.org/markup-compatibility/2006" xmlns:a14="http://schemas.microsoft.com/office/drawing/2010/main">
+          <mc:Choice Requires="a14">
             <p:sp>
               <p:nvSpPr>
                 <p:cNvPr id="58" name="TextBox 57">
@@ -9239,7 +9317,7 @@
               </p:txBody>
             </p:sp>
           </mc:Choice>
-          <mc:Fallback>
+          <mc:Fallback xmlns="">
             <p:sp>
               <p:nvSpPr>
                 <p:cNvPr id="58" name="TextBox 57">
@@ -9394,8 +9472,8 @@
           </a:prstGeom>
         </p:spPr>
       </p:pic>
-      <mc:AlternateContent xmlns:mc="http://schemas.openxmlformats.org/markup-compatibility/2006">
-        <mc:Choice xmlns:a14="http://schemas.microsoft.com/office/drawing/2010/main" Requires="a14">
+      <mc:AlternateContent xmlns:mc="http://schemas.openxmlformats.org/markup-compatibility/2006" xmlns:a14="http://schemas.microsoft.com/office/drawing/2010/main">
+        <mc:Choice Requires="a14">
           <p:sp>
             <p:nvSpPr>
               <p:cNvPr id="10" name="TextBox 9">
@@ -9424,6 +9502,7 @@
               </a:bodyPr>
               <a:lstStyle/>
               <a:p>
+                <a:pPr/>
                 <a14:m>
                   <m:oMathPara xmlns:m="http://schemas.openxmlformats.org/officeDocument/2006/math">
                     <m:oMathParaPr>
@@ -9581,13 +9660,7 @@
                         <a:rPr lang="en-US" i="1">
                           <a:latin typeface="Cambria Math" panose="02040503050406030204" pitchFamily="18" charset="0"/>
                         </a:rPr>
-                        <m:t> </m:t>
-                      </m:r>
-                      <m:r>
-                        <a:rPr lang="en-US" i="1">
-                          <a:latin typeface="Cambria Math" panose="02040503050406030204" pitchFamily="18" charset="0"/>
-                        </a:rPr>
-                        <m:t>0</m:t>
+                        <m:t> 0</m:t>
                       </m:r>
                     </m:oMath>
                   </m:oMathPara>
@@ -9597,7 +9670,7 @@
             </p:txBody>
           </p:sp>
         </mc:Choice>
-        <mc:Fallback>
+        <mc:Fallback xmlns="">
           <p:sp>
             <p:nvSpPr>
               <p:cNvPr id="10" name="TextBox 9">
@@ -9642,8 +9715,8 @@
           </p:sp>
         </mc:Fallback>
       </mc:AlternateContent>
-      <mc:AlternateContent xmlns:mc="http://schemas.openxmlformats.org/markup-compatibility/2006">
-        <mc:Choice xmlns:a14="http://schemas.microsoft.com/office/drawing/2010/main" Requires="a14">
+      <mc:AlternateContent xmlns:mc="http://schemas.openxmlformats.org/markup-compatibility/2006" xmlns:a14="http://schemas.microsoft.com/office/drawing/2010/main">
+        <mc:Choice Requires="a14">
           <p:sp>
             <p:nvSpPr>
               <p:cNvPr id="13" name="TextBox 12">
@@ -9672,6 +9745,7 @@
               </a:bodyPr>
               <a:lstStyle/>
               <a:p>
+                <a:pPr/>
                 <a14:m>
                   <m:oMathPara xmlns:m="http://schemas.openxmlformats.org/officeDocument/2006/math">
                     <m:oMathParaPr>
@@ -9829,13 +9903,7 @@
                         <a:rPr lang="en-US" i="1">
                           <a:latin typeface="Cambria Math" panose="02040503050406030204" pitchFamily="18" charset="0"/>
                         </a:rPr>
-                        <m:t> </m:t>
-                      </m:r>
-                      <m:r>
-                        <a:rPr lang="en-US" i="1">
-                          <a:latin typeface="Cambria Math" panose="02040503050406030204" pitchFamily="18" charset="0"/>
-                        </a:rPr>
-                        <m:t>0</m:t>
+                        <m:t> 0</m:t>
                       </m:r>
                     </m:oMath>
                   </m:oMathPara>
@@ -9845,7 +9913,7 @@
             </p:txBody>
           </p:sp>
         </mc:Choice>
-        <mc:Fallback>
+        <mc:Fallback xmlns="">
           <p:sp>
             <p:nvSpPr>
               <p:cNvPr id="13" name="TextBox 12">
@@ -9890,8 +9958,8 @@
           </p:sp>
         </mc:Fallback>
       </mc:AlternateContent>
-      <mc:AlternateContent xmlns:mc="http://schemas.openxmlformats.org/markup-compatibility/2006">
-        <mc:Choice xmlns:a14="http://schemas.microsoft.com/office/drawing/2010/main" Requires="a14">
+      <mc:AlternateContent xmlns:mc="http://schemas.openxmlformats.org/markup-compatibility/2006" xmlns:a14="http://schemas.microsoft.com/office/drawing/2010/main">
+        <mc:Choice Requires="a14">
           <p:sp>
             <p:nvSpPr>
               <p:cNvPr id="14" name="TextBox 13">
@@ -9920,6 +9988,7 @@
               </a:bodyPr>
               <a:lstStyle/>
               <a:p>
+                <a:pPr/>
                 <a14:m>
                   <m:oMathPara xmlns:m="http://schemas.openxmlformats.org/officeDocument/2006/math">
                     <m:oMathParaPr>
@@ -10126,13 +10195,7 @@
                         <a:rPr lang="en-US" i="1">
                           <a:latin typeface="Cambria Math" panose="02040503050406030204" pitchFamily="18" charset="0"/>
                         </a:rPr>
-                        <m:t> </m:t>
-                      </m:r>
-                      <m:r>
-                        <a:rPr lang="en-US" i="1">
-                          <a:latin typeface="Cambria Math" panose="02040503050406030204" pitchFamily="18" charset="0"/>
-                        </a:rPr>
-                        <m:t>0</m:t>
+                        <m:t> 0</m:t>
                       </m:r>
                     </m:oMath>
                   </m:oMathPara>
@@ -10142,7 +10205,7 @@
             </p:txBody>
           </p:sp>
         </mc:Choice>
-        <mc:Fallback>
+        <mc:Fallback xmlns="">
           <p:sp>
             <p:nvSpPr>
               <p:cNvPr id="14" name="TextBox 13">
@@ -10234,8 +10297,8 @@
           </a:p>
         </p:txBody>
       </p:sp>
-      <mc:AlternateContent xmlns:mc="http://schemas.openxmlformats.org/markup-compatibility/2006">
-        <mc:Choice xmlns:a14="http://schemas.microsoft.com/office/drawing/2010/main" Requires="a14">
+      <mc:AlternateContent xmlns:mc="http://schemas.openxmlformats.org/markup-compatibility/2006" xmlns:a14="http://schemas.microsoft.com/office/drawing/2010/main">
+        <mc:Choice Requires="a14">
           <p:sp>
             <p:nvSpPr>
               <p:cNvPr id="17" name="TextBox 16">
@@ -10397,7 +10460,7 @@
             </p:txBody>
           </p:sp>
         </mc:Choice>
-        <mc:Fallback>
+        <mc:Fallback xmlns="">
           <p:sp>
             <p:nvSpPr>
               <p:cNvPr id="17" name="TextBox 16">
@@ -10442,8 +10505,8 @@
           </p:sp>
         </mc:Fallback>
       </mc:AlternateContent>
-      <mc:AlternateContent xmlns:mc="http://schemas.openxmlformats.org/markup-compatibility/2006">
-        <mc:Choice xmlns:a14="http://schemas.microsoft.com/office/drawing/2010/main" Requires="a14">
+      <mc:AlternateContent xmlns:mc="http://schemas.openxmlformats.org/markup-compatibility/2006" xmlns:a14="http://schemas.microsoft.com/office/drawing/2010/main">
+        <mc:Choice Requires="a14">
           <p:sp>
             <p:nvSpPr>
               <p:cNvPr id="18" name="TextBox 17">
@@ -10554,25 +10617,7 @@
                               </a:solidFill>
                               <a:latin typeface="Cambria Math" panose="02040503050406030204" pitchFamily="18" charset="0"/>
                             </a:rPr>
-                            <m:t>,</m:t>
-                          </m:r>
-                          <m:r>
-                            <a:rPr lang="en-US" b="0" i="1" smtClean="0">
-                              <a:solidFill>
-                                <a:schemeClr val="tx1"/>
-                              </a:solidFill>
-                              <a:latin typeface="Cambria Math" panose="02040503050406030204" pitchFamily="18" charset="0"/>
-                            </a:rPr>
-                            <m:t> </m:t>
-                          </m:r>
-                          <m:r>
-                            <a:rPr lang="en-US" b="0" i="1" smtClean="0">
-                              <a:solidFill>
-                                <a:schemeClr val="tx1"/>
-                              </a:solidFill>
-                              <a:latin typeface="Cambria Math" panose="02040503050406030204" pitchFamily="18" charset="0"/>
-                            </a:rPr>
-                            <m:t>0</m:t>
+                            <m:t>, 0</m:t>
                           </m:r>
                           <m:r>
                             <a:rPr lang="en-US" i="1">
@@ -10641,7 +10686,7 @@
             </p:txBody>
           </p:sp>
         </mc:Choice>
-        <mc:Fallback>
+        <mc:Fallback xmlns="">
           <p:sp>
             <p:nvSpPr>
               <p:cNvPr id="18" name="TextBox 17">
@@ -10878,8 +10923,8 @@
           </a:p>
         </p:txBody>
       </p:sp>
-      <mc:AlternateContent xmlns:mc="http://schemas.openxmlformats.org/markup-compatibility/2006">
-        <mc:Choice xmlns:a14="http://schemas.microsoft.com/office/drawing/2010/main" Requires="a14">
+      <mc:AlternateContent xmlns:mc="http://schemas.openxmlformats.org/markup-compatibility/2006" xmlns:a14="http://schemas.microsoft.com/office/drawing/2010/main">
+        <mc:Choice Requires="a14">
           <p:sp>
             <p:nvSpPr>
               <p:cNvPr id="5" name="TextBox 4">
@@ -11117,7 +11162,7 @@
             </p:txBody>
           </p:sp>
         </mc:Choice>
-        <mc:Fallback>
+        <mc:Fallback xmlns="">
           <p:sp>
             <p:nvSpPr>
               <p:cNvPr id="5" name="TextBox 4">
@@ -11334,8 +11379,8 @@
           </a:p>
         </p:txBody>
       </p:sp>
-      <mc:AlternateContent xmlns:mc="http://schemas.openxmlformats.org/markup-compatibility/2006">
-        <mc:Choice xmlns:a14="http://schemas.microsoft.com/office/drawing/2010/main" Requires="a14">
+      <mc:AlternateContent xmlns:mc="http://schemas.openxmlformats.org/markup-compatibility/2006" xmlns:a14="http://schemas.microsoft.com/office/drawing/2010/main">
+        <mc:Choice Requires="a14">
           <p:sp>
             <p:nvSpPr>
               <p:cNvPr id="4" name="TextBox 3">
@@ -11415,7 +11460,7 @@
             </p:txBody>
           </p:sp>
         </mc:Choice>
-        <mc:Fallback>
+        <mc:Fallback xmlns="">
           <p:sp>
             <p:nvSpPr>
               <p:cNvPr id="4" name="TextBox 3">
@@ -11460,8 +11505,8 @@
           </p:sp>
         </mc:Fallback>
       </mc:AlternateContent>
-      <mc:AlternateContent xmlns:mc="http://schemas.openxmlformats.org/markup-compatibility/2006">
-        <mc:Choice xmlns:a14="http://schemas.microsoft.com/office/drawing/2010/main" Requires="a14">
+      <mc:AlternateContent xmlns:mc="http://schemas.openxmlformats.org/markup-compatibility/2006" xmlns:a14="http://schemas.microsoft.com/office/drawing/2010/main">
+        <mc:Choice Requires="a14">
           <p:sp>
             <p:nvSpPr>
               <p:cNvPr id="7" name="TextBox 6">
@@ -11490,7 +11535,6 @@
               </a:bodyPr>
               <a:lstStyle/>
               <a:p>
-                <a:pPr/>
                 <a14:m>
                   <m:oMath xmlns:m="http://schemas.openxmlformats.org/officeDocument/2006/math">
                     <m:acc>
@@ -11636,7 +11680,7 @@
             </p:txBody>
           </p:sp>
         </mc:Choice>
-        <mc:Fallback>
+        <mc:Fallback xmlns="">
           <p:sp>
             <p:nvSpPr>
               <p:cNvPr id="7" name="TextBox 6">
@@ -11681,8 +11725,8 @@
           </p:sp>
         </mc:Fallback>
       </mc:AlternateContent>
-      <mc:AlternateContent xmlns:mc="http://schemas.openxmlformats.org/markup-compatibility/2006">
-        <mc:Choice xmlns:a14="http://schemas.microsoft.com/office/drawing/2010/main" Requires="a14">
+      <mc:AlternateContent xmlns:mc="http://schemas.openxmlformats.org/markup-compatibility/2006" xmlns:a14="http://schemas.microsoft.com/office/drawing/2010/main">
+        <mc:Choice Requires="a14">
           <p:sp>
             <p:nvSpPr>
               <p:cNvPr id="13" name="TextBox 12">
@@ -12111,7 +12155,7 @@
             </p:txBody>
           </p:sp>
         </mc:Choice>
-        <mc:Fallback>
+        <mc:Fallback xmlns="">
           <p:sp>
             <p:nvSpPr>
               <p:cNvPr id="13" name="TextBox 12">
@@ -12156,8 +12200,8 @@
           </p:sp>
         </mc:Fallback>
       </mc:AlternateContent>
-      <mc:AlternateContent xmlns:mc="http://schemas.openxmlformats.org/markup-compatibility/2006">
-        <mc:Choice xmlns:a14="http://schemas.microsoft.com/office/drawing/2010/main" Requires="a14">
+      <mc:AlternateContent xmlns:mc="http://schemas.openxmlformats.org/markup-compatibility/2006" xmlns:a14="http://schemas.microsoft.com/office/drawing/2010/main">
+        <mc:Choice Requires="a14">
           <p:sp>
             <p:nvSpPr>
               <p:cNvPr id="14" name="TextBox 13">
@@ -12349,7 +12393,7 @@
             </p:txBody>
           </p:sp>
         </mc:Choice>
-        <mc:Fallback>
+        <mc:Fallback xmlns="">
           <p:sp>
             <p:nvSpPr>
               <p:cNvPr id="14" name="TextBox 13">
@@ -12812,8 +12856,8 @@
           </a:p>
         </p:txBody>
       </p:sp>
-      <mc:AlternateContent xmlns:mc="http://schemas.openxmlformats.org/markup-compatibility/2006">
-        <mc:Choice xmlns:a14="http://schemas.microsoft.com/office/drawing/2010/main" Requires="a14">
+      <mc:AlternateContent xmlns:mc="http://schemas.openxmlformats.org/markup-compatibility/2006" xmlns:a14="http://schemas.microsoft.com/office/drawing/2010/main">
+        <mc:Choice Requires="a14">
           <p:sp>
             <p:nvSpPr>
               <p:cNvPr id="9" name="TextBox 8">
@@ -13061,7 +13105,7 @@
             </p:txBody>
           </p:sp>
         </mc:Choice>
-        <mc:Fallback>
+        <mc:Fallback xmlns="">
           <p:sp>
             <p:nvSpPr>
               <p:cNvPr id="9" name="TextBox 8">
@@ -13704,8 +13748,8 @@
           </a:p>
         </p:txBody>
       </p:sp>
-      <mc:AlternateContent xmlns:mc="http://schemas.openxmlformats.org/markup-compatibility/2006">
-        <mc:Choice xmlns:a14="http://schemas.microsoft.com/office/drawing/2010/main" Requires="a14">
+      <mc:AlternateContent xmlns:mc="http://schemas.openxmlformats.org/markup-compatibility/2006" xmlns:a14="http://schemas.microsoft.com/office/drawing/2010/main">
+        <mc:Choice Requires="a14">
           <p:sp>
             <p:nvSpPr>
               <p:cNvPr id="6" name="TextBox 5">
@@ -13829,13 +13873,7 @@
                                     <a:rPr lang="en-US" i="1">
                                       <a:latin typeface="Cambria Math" panose="02040503050406030204" pitchFamily="18" charset="0"/>
                                     </a:rPr>
-                                    <m:t>1,</m:t>
-                                  </m:r>
-                                  <m:r>
-                                    <a:rPr lang="en-US" i="1">
-                                      <a:latin typeface="Cambria Math" panose="02040503050406030204" pitchFamily="18" charset="0"/>
-                                    </a:rPr>
-                                    <m:t>2</m:t>
+                                    <m:t>1,2</m:t>
                                   </m:r>
                                 </m:e>
                               </m:d>
@@ -13860,13 +13898,7 @@
                                     <a:rPr lang="en-US" i="1">
                                       <a:latin typeface="Cambria Math" panose="02040503050406030204" pitchFamily="18" charset="0"/>
                                     </a:rPr>
-                                    <m:t>1,</m:t>
-                                  </m:r>
-                                  <m:r>
-                                    <a:rPr lang="en-US" i="1">
-                                      <a:latin typeface="Cambria Math" panose="02040503050406030204" pitchFamily="18" charset="0"/>
-                                    </a:rPr>
-                                    <m:t>3</m:t>
+                                    <m:t>1,3</m:t>
                                   </m:r>
                                 </m:e>
                               </m:d>
@@ -13891,13 +13923,7 @@
                                     <a:rPr lang="en-US" i="1">
                                       <a:latin typeface="Cambria Math" panose="02040503050406030204" pitchFamily="18" charset="0"/>
                                     </a:rPr>
-                                    <m:t>2</m:t>
-                                  </m:r>
-                                  <m:r>
-                                    <a:rPr lang="en-US" i="1">
-                                      <a:latin typeface="Cambria Math" panose="02040503050406030204" pitchFamily="18" charset="0"/>
-                                    </a:rPr>
-                                    <m:t>,1</m:t>
+                                    <m:t>2,1</m:t>
                                   </m:r>
                                 </m:e>
                               </m:d>
@@ -13922,19 +13948,7 @@
                                     <a:rPr lang="en-US" i="1">
                                       <a:latin typeface="Cambria Math" panose="02040503050406030204" pitchFamily="18" charset="0"/>
                                     </a:rPr>
-                                    <m:t>2</m:t>
-                                  </m:r>
-                                  <m:r>
-                                    <a:rPr lang="en-US" i="1">
-                                      <a:latin typeface="Cambria Math" panose="02040503050406030204" pitchFamily="18" charset="0"/>
-                                    </a:rPr>
-                                    <m:t>,</m:t>
-                                  </m:r>
-                                  <m:r>
-                                    <a:rPr lang="en-US" i="1">
-                                      <a:latin typeface="Cambria Math" panose="02040503050406030204" pitchFamily="18" charset="0"/>
-                                    </a:rPr>
-                                    <m:t>2</m:t>
+                                    <m:t>2,2</m:t>
                                   </m:r>
                                 </m:e>
                               </m:d>
@@ -13959,19 +13973,7 @@
                                     <a:rPr lang="en-US" i="1">
                                       <a:latin typeface="Cambria Math" panose="02040503050406030204" pitchFamily="18" charset="0"/>
                                     </a:rPr>
-                                    <m:t>2</m:t>
-                                  </m:r>
-                                  <m:r>
-                                    <a:rPr lang="en-US" i="1">
-                                      <a:latin typeface="Cambria Math" panose="02040503050406030204" pitchFamily="18" charset="0"/>
-                                    </a:rPr>
-                                    <m:t>,</m:t>
-                                  </m:r>
-                                  <m:r>
-                                    <a:rPr lang="en-US" i="1">
-                                      <a:latin typeface="Cambria Math" panose="02040503050406030204" pitchFamily="18" charset="0"/>
-                                    </a:rPr>
-                                    <m:t>3</m:t>
+                                    <m:t>2,3</m:t>
                                   </m:r>
                                 </m:e>
                               </m:d>
@@ -13996,13 +13998,7 @@
                                     <a:rPr lang="en-US" i="1">
                                       <a:latin typeface="Cambria Math" panose="02040503050406030204" pitchFamily="18" charset="0"/>
                                     </a:rPr>
-                                    <m:t>3</m:t>
-                                  </m:r>
-                                  <m:r>
-                                    <a:rPr lang="en-US" i="1">
-                                      <a:latin typeface="Cambria Math" panose="02040503050406030204" pitchFamily="18" charset="0"/>
-                                    </a:rPr>
-                                    <m:t>,1</m:t>
+                                    <m:t>3,1</m:t>
                                   </m:r>
                                 </m:e>
                               </m:d>
@@ -14027,19 +14023,7 @@
                                     <a:rPr lang="en-US" i="1">
                                       <a:latin typeface="Cambria Math" panose="02040503050406030204" pitchFamily="18" charset="0"/>
                                     </a:rPr>
-                                    <m:t>3</m:t>
-                                  </m:r>
-                                  <m:r>
-                                    <a:rPr lang="en-US" i="1">
-                                      <a:latin typeface="Cambria Math" panose="02040503050406030204" pitchFamily="18" charset="0"/>
-                                    </a:rPr>
-                                    <m:t>,</m:t>
-                                  </m:r>
-                                  <m:r>
-                                    <a:rPr lang="en-US" i="1">
-                                      <a:latin typeface="Cambria Math" panose="02040503050406030204" pitchFamily="18" charset="0"/>
-                                    </a:rPr>
-                                    <m:t>2</m:t>
+                                    <m:t>3,2</m:t>
                                   </m:r>
                                 </m:e>
                               </m:d>
@@ -14064,19 +14048,7 @@
                                     <a:rPr lang="en-US" i="1">
                                       <a:latin typeface="Cambria Math" panose="02040503050406030204" pitchFamily="18" charset="0"/>
                                     </a:rPr>
-                                    <m:t>3</m:t>
-                                  </m:r>
-                                  <m:r>
-                                    <a:rPr lang="en-US" i="1">
-                                      <a:latin typeface="Cambria Math" panose="02040503050406030204" pitchFamily="18" charset="0"/>
-                                    </a:rPr>
-                                    <m:t>,</m:t>
-                                  </m:r>
-                                  <m:r>
-                                    <a:rPr lang="en-US" i="1">
-                                      <a:latin typeface="Cambria Math" panose="02040503050406030204" pitchFamily="18" charset="0"/>
-                                    </a:rPr>
-                                    <m:t>3</m:t>
+                                    <m:t>3,3</m:t>
                                   </m:r>
                                 </m:e>
                               </m:d>
@@ -14092,7 +14064,7 @@
             </p:txBody>
           </p:sp>
         </mc:Choice>
-        <mc:Fallback>
+        <mc:Fallback xmlns="">
           <p:sp>
             <p:nvSpPr>
               <p:cNvPr id="6" name="TextBox 5">
@@ -14137,8 +14109,8 @@
           </p:sp>
         </mc:Fallback>
       </mc:AlternateContent>
-      <mc:AlternateContent xmlns:mc="http://schemas.openxmlformats.org/markup-compatibility/2006">
-        <mc:Choice xmlns:a14="http://schemas.microsoft.com/office/drawing/2010/main" Requires="a14">
+      <mc:AlternateContent xmlns:mc="http://schemas.openxmlformats.org/markup-compatibility/2006" xmlns:a14="http://schemas.microsoft.com/office/drawing/2010/main">
+        <mc:Choice Requires="a14">
           <p:sp>
             <p:nvSpPr>
               <p:cNvPr id="7" name="TextBox 6">
@@ -14167,6 +14139,7 @@
               </a:bodyPr>
               <a:lstStyle/>
               <a:p>
+                <a:pPr/>
                 <a14:m>
                   <m:oMathPara xmlns:m="http://schemas.openxmlformats.org/officeDocument/2006/math">
                     <m:oMathParaPr>
@@ -14245,13 +14218,7 @@
                                 <a:rPr lang="en-US" i="1">
                                   <a:latin typeface="Cambria Math" panose="02040503050406030204" pitchFamily="18" charset="0"/>
                                 </a:rPr>
-                                <m:t>0,0,</m:t>
-                              </m:r>
-                              <m:r>
-                                <a:rPr lang="en-US" i="1">
-                                  <a:latin typeface="Cambria Math" panose="02040503050406030204" pitchFamily="18" charset="0"/>
-                                </a:rPr>
-                                <m:t>0,</m:t>
+                                <m:t>0,0,0,</m:t>
                               </m:r>
                               <m:r>
                                 <a:rPr lang="en-US" b="0" i="1" smtClean="0">
@@ -14283,13 +14250,7 @@
                                 <a:rPr lang="en-US" i="1">
                                   <a:latin typeface="Cambria Math" panose="02040503050406030204" pitchFamily="18" charset="0"/>
                                 </a:rPr>
-                                <m:t>,</m:t>
-                              </m:r>
-                              <m:r>
-                                <a:rPr lang="en-US" i="1">
-                                  <a:latin typeface="Cambria Math" panose="02040503050406030204" pitchFamily="18" charset="0"/>
-                                </a:rPr>
-                                <m:t>0,0,</m:t>
+                                <m:t>,0,0,</m:t>
                               </m:r>
                               <m:r>
                                 <a:rPr lang="en-US" b="0" i="1" smtClean="0">
@@ -14309,13 +14270,7 @@
                                 <a:rPr lang="en-US" i="1">
                                   <a:latin typeface="Cambria Math" panose="02040503050406030204" pitchFamily="18" charset="0"/>
                                 </a:rPr>
-                                <m:t>0,0,0</m:t>
-                              </m:r>
-                              <m:r>
-                                <a:rPr lang="en-US" i="1">
-                                  <a:latin typeface="Cambria Math" panose="02040503050406030204" pitchFamily="18" charset="0"/>
-                                </a:rPr>
-                                <m:t>,0,0,</m:t>
+                                <m:t>0,0,0,0,0,</m:t>
                               </m:r>
                               <m:r>
                                 <a:rPr lang="en-US" b="0" i="1" smtClean="0">
@@ -14327,13 +14282,7 @@
                                 <a:rPr lang="en-US" i="1">
                                   <a:latin typeface="Cambria Math" panose="02040503050406030204" pitchFamily="18" charset="0"/>
                                 </a:rPr>
-                                <m:t>1</m:t>
-                              </m:r>
-                              <m:r>
-                                <a:rPr lang="en-US" i="1">
-                                  <a:latin typeface="Cambria Math" panose="02040503050406030204" pitchFamily="18" charset="0"/>
-                                </a:rPr>
-                                <m:t>,0,0</m:t>
+                                <m:t>1,0,0</m:t>
                               </m:r>
                             </m:e>
                             <m:e>
@@ -14399,13 +14348,7 @@
                                 <a:rPr lang="en-US" i="1">
                                   <a:latin typeface="Cambria Math" panose="02040503050406030204" pitchFamily="18" charset="0"/>
                                 </a:rPr>
-                                <m:t>0,0,0</m:t>
-                              </m:r>
-                              <m:r>
-                                <a:rPr lang="en-US" i="1">
-                                  <a:latin typeface="Cambria Math" panose="02040503050406030204" pitchFamily="18" charset="0"/>
-                                </a:rPr>
-                                <m:t>,</m:t>
+                                <m:t>0,0,0,</m:t>
                               </m:r>
                               <m:r>
                                 <a:rPr lang="en-US" b="0" i="1" smtClean="0">
@@ -14441,13 +14384,7 @@
                                 <a:rPr lang="en-US" i="1">
                                   <a:latin typeface="Cambria Math" panose="02040503050406030204" pitchFamily="18" charset="0"/>
                                 </a:rPr>
-                                <m:t>1</m:t>
-                              </m:r>
-                              <m:r>
-                                <a:rPr lang="en-US" i="1">
-                                  <a:latin typeface="Cambria Math" panose="02040503050406030204" pitchFamily="18" charset="0"/>
-                                </a:rPr>
-                                <m:t>,0,0,0</m:t>
+                                <m:t>1,0,0,0</m:t>
                               </m:r>
                             </m:e>
                             <m:e>
@@ -14849,7 +14786,7 @@
             </p:txBody>
           </p:sp>
         </mc:Choice>
-        <mc:Fallback>
+        <mc:Fallback xmlns="">
           <p:sp>
             <p:nvSpPr>
               <p:cNvPr id="7" name="TextBox 6">
@@ -14894,8 +14831,8 @@
           </p:sp>
         </mc:Fallback>
       </mc:AlternateContent>
-      <mc:AlternateContent xmlns:mc="http://schemas.openxmlformats.org/markup-compatibility/2006">
-        <mc:Choice xmlns:a14="http://schemas.microsoft.com/office/drawing/2010/main" Requires="a14">
+      <mc:AlternateContent xmlns:mc="http://schemas.openxmlformats.org/markup-compatibility/2006" xmlns:a14="http://schemas.microsoft.com/office/drawing/2010/main">
+        <mc:Choice Requires="a14">
           <p:sp>
             <p:nvSpPr>
               <p:cNvPr id="8" name="TextBox 7">
@@ -15133,7 +15070,7 @@
             </p:txBody>
           </p:sp>
         </mc:Choice>
-        <mc:Fallback>
+        <mc:Fallback xmlns="">
           <p:sp>
             <p:nvSpPr>
               <p:cNvPr id="8" name="TextBox 7">
@@ -15412,7 +15349,22 @@
             </a:pPr>
             <a:r>
               <a:rPr lang="en-US" dirty="0"/>
-              <a:t>Please make sure you have read Textbook chapter 2</a:t>
+              <a:t>Please make sure you have read the Textbook chapter 2</a:t>
+            </a:r>
+          </a:p>
+          <a:p>
+            <a:pPr marL="0" indent="0">
+              <a:buNone/>
+            </a:pPr>
+            <a:endParaRPr lang="en-US" dirty="0"/>
+          </a:p>
+          <a:p>
+            <a:pPr marL="0" indent="0">
+              <a:buNone/>
+            </a:pPr>
+            <a:r>
+              <a:rPr lang="en-US" dirty="0"/>
+              <a:t>Please make sure you check page 20 of this PPT.</a:t>
             </a:r>
           </a:p>
           <a:p>
@@ -15431,7 +15383,7 @@
                   <a:srgbClr val="FF0000"/>
                 </a:solidFill>
               </a:rPr>
-              <a:t>The notations in this slide deck is a bit different from lecture slides! The goal is to make implementation easier.</a:t>
+              <a:t>The notations in this slide deck are a bit different from the lecture slides! The goal is to make implementation easier.</a:t>
             </a:r>
           </a:p>
           <a:p>
@@ -15508,6 +15460,124 @@
     <p:extLst>
       <p:ext uri="{BB962C8B-B14F-4D97-AF65-F5344CB8AC3E}">
         <p14:creationId xmlns:p14="http://schemas.microsoft.com/office/powerpoint/2010/main" val="3024788253"/>
+      </p:ext>
+    </p:extLst>
+  </p:cSld>
+  <p:clrMapOvr>
+    <a:masterClrMapping/>
+  </p:clrMapOvr>
+</p:sld>
+</file>
+
+<file path=ppt/slides/slide20.xml><?xml version="1.0" encoding="utf-8"?>
+<p:sld xmlns:a="http://schemas.openxmlformats.org/drawingml/2006/main" xmlns:r="http://schemas.openxmlformats.org/officeDocument/2006/relationships" xmlns:p="http://schemas.openxmlformats.org/presentationml/2006/main">
+  <p:cSld>
+    <p:spTree>
+      <p:nvGrpSpPr>
+        <p:cNvPr id="1" name=""/>
+        <p:cNvGrpSpPr/>
+        <p:nvPr/>
+      </p:nvGrpSpPr>
+      <p:grpSpPr>
+        <a:xfrm>
+          <a:off x="0" y="0"/>
+          <a:ext cx="0" cy="0"/>
+          <a:chOff x="0" y="0"/>
+          <a:chExt cx="0" cy="0"/>
+        </a:xfrm>
+      </p:grpSpPr>
+      <p:sp>
+        <p:nvSpPr>
+          <p:cNvPr id="2" name="Title 1">
+            <a:extLst>
+              <a:ext uri="{FF2B5EF4-FFF2-40B4-BE49-F238E27FC236}">
+                <a16:creationId xmlns:a16="http://schemas.microsoft.com/office/drawing/2014/main" id="{006B4190-5B0F-3195-BB38-9A6862A9E2C3}"/>
+              </a:ext>
+            </a:extLst>
+          </p:cNvPr>
+          <p:cNvSpPr>
+            <a:spLocks noGrp="1"/>
+          </p:cNvSpPr>
+          <p:nvPr>
+            <p:ph type="title"/>
+          </p:nvPr>
+        </p:nvSpPr>
+        <p:spPr/>
+        <p:txBody>
+          <a:bodyPr/>
+          <a:lstStyle/>
+          <a:p>
+            <a:r>
+              <a:rPr lang="en-US" dirty="0"/>
+              <a:t>Additional hints on Part 4</a:t>
+            </a:r>
+          </a:p>
+        </p:txBody>
+      </p:sp>
+      <p:sp>
+        <p:nvSpPr>
+          <p:cNvPr id="3" name="Content Placeholder 2">
+            <a:extLst>
+              <a:ext uri="{FF2B5EF4-FFF2-40B4-BE49-F238E27FC236}">
+                <a16:creationId xmlns:a16="http://schemas.microsoft.com/office/drawing/2014/main" id="{696F2BF3-B12C-81C7-069A-6E96B6C2F467}"/>
+              </a:ext>
+            </a:extLst>
+          </p:cNvPr>
+          <p:cNvSpPr>
+            <a:spLocks noGrp="1"/>
+          </p:cNvSpPr>
+          <p:nvPr>
+            <p:ph idx="1"/>
+          </p:nvPr>
+        </p:nvSpPr>
+        <p:spPr/>
+        <p:txBody>
+          <a:bodyPr>
+            <a:normAutofit/>
+          </a:bodyPr>
+          <a:lstStyle/>
+          <a:p>
+            <a:r>
+              <a:rPr lang="en-US" sz="2000" dirty="0"/>
+              <a:t>See an example implementation for including rows corresponding to the background pixels below. I've also implemented the least square solution at the end. What you need to do is to fill in similar for loops for the vertical, horizontal, and contact edges, as well as the surface pixels.</a:t>
+            </a:r>
+          </a:p>
+        </p:txBody>
+      </p:sp>
+      <p:pic>
+        <p:nvPicPr>
+          <p:cNvPr id="6" name="Picture 5" descr="A computer screen shot of a black screen&#10;&#10;AI-generated content may be incorrect.">
+            <a:extLst>
+              <a:ext uri="{FF2B5EF4-FFF2-40B4-BE49-F238E27FC236}">
+                <a16:creationId xmlns:a16="http://schemas.microsoft.com/office/drawing/2014/main" id="{EC425CBF-C14B-48D0-E41E-6B97E0C94006}"/>
+              </a:ext>
+            </a:extLst>
+          </p:cNvPr>
+          <p:cNvPicPr>
+            <a:picLocks noChangeAspect="1"/>
+          </p:cNvPicPr>
+          <p:nvPr/>
+        </p:nvPicPr>
+        <p:blipFill>
+          <a:blip r:embed="rId2"/>
+          <a:stretch>
+            <a:fillRect/>
+          </a:stretch>
+        </p:blipFill>
+        <p:spPr>
+          <a:xfrm>
+            <a:off x="0" y="2699488"/>
+            <a:ext cx="12192000" cy="4158512"/>
+          </a:xfrm>
+          <a:prstGeom prst="rect">
+            <a:avLst/>
+          </a:prstGeom>
+        </p:spPr>
+      </p:pic>
+    </p:spTree>
+    <p:extLst>
+      <p:ext uri="{BB962C8B-B14F-4D97-AF65-F5344CB8AC3E}">
+        <p14:creationId xmlns:p14="http://schemas.microsoft.com/office/powerpoint/2010/main" val="2969785625"/>
       </p:ext>
     </p:extLst>
   </p:cSld>
@@ -17663,8 +17733,8 @@
           </a:fontRef>
         </p:style>
       </p:cxnSp>
-      <mc:AlternateContent xmlns:mc="http://schemas.openxmlformats.org/markup-compatibility/2006">
-        <mc:Choice xmlns:a14="http://schemas.microsoft.com/office/drawing/2010/main" Requires="a14">
+      <mc:AlternateContent xmlns:mc="http://schemas.openxmlformats.org/markup-compatibility/2006" xmlns:a14="http://schemas.microsoft.com/office/drawing/2010/main">
+        <mc:Choice Requires="a14">
           <p:sp>
             <p:nvSpPr>
               <p:cNvPr id="23" name="TextBox 22">
@@ -17693,6 +17763,7 @@
               </a:bodyPr>
               <a:lstStyle/>
               <a:p>
+                <a:pPr/>
                 <a14:m>
                   <m:oMathPara xmlns:m="http://schemas.openxmlformats.org/officeDocument/2006/math">
                     <m:oMathParaPr>
@@ -17818,7 +17889,7 @@
             </p:txBody>
           </p:sp>
         </mc:Choice>
-        <mc:Fallback>
+        <mc:Fallback xmlns="">
           <p:sp>
             <p:nvSpPr>
               <p:cNvPr id="23" name="TextBox 22">
@@ -17863,8 +17934,8 @@
           </p:sp>
         </mc:Fallback>
       </mc:AlternateContent>
-      <mc:AlternateContent xmlns:mc="http://schemas.openxmlformats.org/markup-compatibility/2006">
-        <mc:Choice xmlns:a14="http://schemas.microsoft.com/office/drawing/2010/main" Requires="a14">
+      <mc:AlternateContent xmlns:mc="http://schemas.openxmlformats.org/markup-compatibility/2006" xmlns:a14="http://schemas.microsoft.com/office/drawing/2010/main">
+        <mc:Choice Requires="a14">
           <p:sp>
             <p:nvSpPr>
               <p:cNvPr id="28" name="TextBox 27">
@@ -17893,6 +17964,7 @@
               </a:bodyPr>
               <a:lstStyle/>
               <a:p>
+                <a:pPr/>
                 <a14:m>
                   <m:oMathPara xmlns:m="http://schemas.openxmlformats.org/officeDocument/2006/math">
                     <m:oMathParaPr>
@@ -18111,7 +18183,7 @@
             </p:txBody>
           </p:sp>
         </mc:Choice>
-        <mc:Fallback>
+        <mc:Fallback xmlns="">
           <p:sp>
             <p:nvSpPr>
               <p:cNvPr id="28" name="TextBox 27">

--- a/HW_1_programming_set/HW_1_programming/HW1.pptx
+++ b/HW_1_programming_set/HW_1_programming/HW1.pptx
@@ -246,7 +246,7 @@
           <a:p>
             <a:fld id="{F0C8AC04-A67D-B24C-8E12-8FB56FC05672}" type="datetimeFigureOut">
               <a:rPr lang="en-US" smtClean="0"/>
-              <a:t>9/5/2025</a:t>
+              <a:t>9/30/2025</a:t>
             </a:fld>
             <a:endParaRPr lang="en-US"/>
           </a:p>
@@ -423,7 +423,7 @@
           <a:p>
             <a:fld id="{2DE3F71F-EE20-0840-B448-C2CC2398DE46}" type="datetimeFigureOut">
               <a:rPr lang="en-US" smtClean="0"/>
-              <a:t>9/5/2025</a:t>
+              <a:t>9/30/2025</a:t>
             </a:fld>
             <a:endParaRPr lang="en-US"/>
           </a:p>
@@ -13213,541 +13213,6 @@
           </a:p>
         </p:txBody>
       </p:sp>
-      <p:sp>
-        <p:nvSpPr>
-          <p:cNvPr id="9" name="Rectangle 8">
-            <a:extLst>
-              <a:ext uri="{FF2B5EF4-FFF2-40B4-BE49-F238E27FC236}">
-                <a16:creationId xmlns:a16="http://schemas.microsoft.com/office/drawing/2014/main" id="{DA514643-F4D2-D273-8140-FB1ECF3D9CF5}"/>
-              </a:ext>
-            </a:extLst>
-          </p:cNvPr>
-          <p:cNvSpPr/>
-          <p:nvPr/>
-        </p:nvSpPr>
-        <p:spPr>
-          <a:xfrm>
-            <a:off x="877768" y="2113673"/>
-            <a:ext cx="429491" cy="429491"/>
-          </a:xfrm>
-          <a:prstGeom prst="rect">
-            <a:avLst/>
-          </a:prstGeom>
-          <a:noFill/>
-        </p:spPr>
-        <p:style>
-          <a:lnRef idx="2">
-            <a:schemeClr val="accent1">
-              <a:shade val="15000"/>
-            </a:schemeClr>
-          </a:lnRef>
-          <a:fillRef idx="1">
-            <a:schemeClr val="accent1"/>
-          </a:fillRef>
-          <a:effectRef idx="0">
-            <a:schemeClr val="accent1"/>
-          </a:effectRef>
-          <a:fontRef idx="minor">
-            <a:schemeClr val="lt1"/>
-          </a:fontRef>
-        </p:style>
-        <p:txBody>
-          <a:bodyPr rtlCol="0" anchor="ctr"/>
-          <a:lstStyle/>
-          <a:p>
-            <a:pPr algn="ctr"/>
-            <a:r>
-              <a:rPr lang="en-US" dirty="0">
-                <a:solidFill>
-                  <a:schemeClr val="tx1"/>
-                </a:solidFill>
-              </a:rPr>
-              <a:t>1</a:t>
-            </a:r>
-          </a:p>
-        </p:txBody>
-      </p:sp>
-      <p:sp>
-        <p:nvSpPr>
-          <p:cNvPr id="10" name="Rectangle 9">
-            <a:extLst>
-              <a:ext uri="{FF2B5EF4-FFF2-40B4-BE49-F238E27FC236}">
-                <a16:creationId xmlns:a16="http://schemas.microsoft.com/office/drawing/2014/main" id="{118E0208-EF30-1587-107E-6E4995300367}"/>
-              </a:ext>
-            </a:extLst>
-          </p:cNvPr>
-          <p:cNvSpPr/>
-          <p:nvPr/>
-        </p:nvSpPr>
-        <p:spPr>
-          <a:xfrm>
-            <a:off x="877768" y="2556591"/>
-            <a:ext cx="429491" cy="429491"/>
-          </a:xfrm>
-          <a:prstGeom prst="rect">
-            <a:avLst/>
-          </a:prstGeom>
-          <a:noFill/>
-        </p:spPr>
-        <p:style>
-          <a:lnRef idx="2">
-            <a:schemeClr val="accent1">
-              <a:shade val="15000"/>
-            </a:schemeClr>
-          </a:lnRef>
-          <a:fillRef idx="1">
-            <a:schemeClr val="accent1"/>
-          </a:fillRef>
-          <a:effectRef idx="0">
-            <a:schemeClr val="accent1"/>
-          </a:effectRef>
-          <a:fontRef idx="minor">
-            <a:schemeClr val="lt1"/>
-          </a:fontRef>
-        </p:style>
-        <p:txBody>
-          <a:bodyPr rtlCol="0" anchor="ctr"/>
-          <a:lstStyle/>
-          <a:p>
-            <a:pPr algn="ctr"/>
-            <a:r>
-              <a:rPr lang="en-US" dirty="0">
-                <a:solidFill>
-                  <a:schemeClr val="tx1"/>
-                </a:solidFill>
-              </a:rPr>
-              <a:t>4</a:t>
-            </a:r>
-          </a:p>
-        </p:txBody>
-      </p:sp>
-      <p:sp>
-        <p:nvSpPr>
-          <p:cNvPr id="11" name="Rectangle 10">
-            <a:extLst>
-              <a:ext uri="{FF2B5EF4-FFF2-40B4-BE49-F238E27FC236}">
-                <a16:creationId xmlns:a16="http://schemas.microsoft.com/office/drawing/2014/main" id="{490D45D9-7D11-4B61-D299-9916701F11B9}"/>
-              </a:ext>
-            </a:extLst>
-          </p:cNvPr>
-          <p:cNvSpPr/>
-          <p:nvPr/>
-        </p:nvSpPr>
-        <p:spPr>
-          <a:xfrm>
-            <a:off x="877768" y="2999509"/>
-            <a:ext cx="429491" cy="429491"/>
-          </a:xfrm>
-          <a:prstGeom prst="rect">
-            <a:avLst/>
-          </a:prstGeom>
-          <a:noFill/>
-        </p:spPr>
-        <p:style>
-          <a:lnRef idx="2">
-            <a:schemeClr val="accent1">
-              <a:shade val="15000"/>
-            </a:schemeClr>
-          </a:lnRef>
-          <a:fillRef idx="1">
-            <a:schemeClr val="accent1"/>
-          </a:fillRef>
-          <a:effectRef idx="0">
-            <a:schemeClr val="accent1"/>
-          </a:effectRef>
-          <a:fontRef idx="minor">
-            <a:schemeClr val="lt1"/>
-          </a:fontRef>
-        </p:style>
-        <p:txBody>
-          <a:bodyPr rtlCol="0" anchor="ctr"/>
-          <a:lstStyle/>
-          <a:p>
-            <a:pPr algn="ctr"/>
-            <a:r>
-              <a:rPr lang="en-US" dirty="0">
-                <a:solidFill>
-                  <a:schemeClr val="tx1"/>
-                </a:solidFill>
-              </a:rPr>
-              <a:t>7</a:t>
-            </a:r>
-          </a:p>
-        </p:txBody>
-      </p:sp>
-      <p:sp>
-        <p:nvSpPr>
-          <p:cNvPr id="12" name="Rectangle 11">
-            <a:extLst>
-              <a:ext uri="{FF2B5EF4-FFF2-40B4-BE49-F238E27FC236}">
-                <a16:creationId xmlns:a16="http://schemas.microsoft.com/office/drawing/2014/main" id="{A90F4083-77FF-F3CA-B96A-80C2D75A9FF1}"/>
-              </a:ext>
-            </a:extLst>
-          </p:cNvPr>
-          <p:cNvSpPr/>
-          <p:nvPr/>
-        </p:nvSpPr>
-        <p:spPr>
-          <a:xfrm>
-            <a:off x="1317000" y="2113673"/>
-            <a:ext cx="429491" cy="429491"/>
-          </a:xfrm>
-          <a:prstGeom prst="rect">
-            <a:avLst/>
-          </a:prstGeom>
-          <a:noFill/>
-        </p:spPr>
-        <p:style>
-          <a:lnRef idx="2">
-            <a:schemeClr val="accent1">
-              <a:shade val="15000"/>
-            </a:schemeClr>
-          </a:lnRef>
-          <a:fillRef idx="1">
-            <a:schemeClr val="accent1"/>
-          </a:fillRef>
-          <a:effectRef idx="0">
-            <a:schemeClr val="accent1"/>
-          </a:effectRef>
-          <a:fontRef idx="minor">
-            <a:schemeClr val="lt1"/>
-          </a:fontRef>
-        </p:style>
-        <p:txBody>
-          <a:bodyPr rtlCol="0" anchor="ctr"/>
-          <a:lstStyle/>
-          <a:p>
-            <a:pPr algn="ctr"/>
-            <a:r>
-              <a:rPr lang="en-US" dirty="0">
-                <a:solidFill>
-                  <a:schemeClr val="tx1"/>
-                </a:solidFill>
-              </a:rPr>
-              <a:t>2</a:t>
-            </a:r>
-          </a:p>
-        </p:txBody>
-      </p:sp>
-      <p:sp>
-        <p:nvSpPr>
-          <p:cNvPr id="13" name="Rectangle 12">
-            <a:extLst>
-              <a:ext uri="{FF2B5EF4-FFF2-40B4-BE49-F238E27FC236}">
-                <a16:creationId xmlns:a16="http://schemas.microsoft.com/office/drawing/2014/main" id="{6ECA0746-1FC0-1DAC-53DB-D7E466D5382D}"/>
-              </a:ext>
-            </a:extLst>
-          </p:cNvPr>
-          <p:cNvSpPr/>
-          <p:nvPr/>
-        </p:nvSpPr>
-        <p:spPr>
-          <a:xfrm>
-            <a:off x="1317000" y="2556591"/>
-            <a:ext cx="429491" cy="429491"/>
-          </a:xfrm>
-          <a:prstGeom prst="rect">
-            <a:avLst/>
-          </a:prstGeom>
-          <a:noFill/>
-        </p:spPr>
-        <p:style>
-          <a:lnRef idx="2">
-            <a:schemeClr val="accent1">
-              <a:shade val="15000"/>
-            </a:schemeClr>
-          </a:lnRef>
-          <a:fillRef idx="1">
-            <a:schemeClr val="accent1"/>
-          </a:fillRef>
-          <a:effectRef idx="0">
-            <a:schemeClr val="accent1"/>
-          </a:effectRef>
-          <a:fontRef idx="minor">
-            <a:schemeClr val="lt1"/>
-          </a:fontRef>
-        </p:style>
-        <p:txBody>
-          <a:bodyPr rtlCol="0" anchor="ctr"/>
-          <a:lstStyle/>
-          <a:p>
-            <a:pPr algn="ctr"/>
-            <a:r>
-              <a:rPr lang="en-US" dirty="0">
-                <a:solidFill>
-                  <a:srgbClr val="FF0000"/>
-                </a:solidFill>
-              </a:rPr>
-              <a:t>?</a:t>
-            </a:r>
-          </a:p>
-        </p:txBody>
-      </p:sp>
-      <p:sp>
-        <p:nvSpPr>
-          <p:cNvPr id="14" name="Rectangle 13">
-            <a:extLst>
-              <a:ext uri="{FF2B5EF4-FFF2-40B4-BE49-F238E27FC236}">
-                <a16:creationId xmlns:a16="http://schemas.microsoft.com/office/drawing/2014/main" id="{66B7ED75-7147-38BC-4F22-69826253BB54}"/>
-              </a:ext>
-            </a:extLst>
-          </p:cNvPr>
-          <p:cNvSpPr/>
-          <p:nvPr/>
-        </p:nvSpPr>
-        <p:spPr>
-          <a:xfrm>
-            <a:off x="1317000" y="2999509"/>
-            <a:ext cx="429491" cy="429491"/>
-          </a:xfrm>
-          <a:prstGeom prst="rect">
-            <a:avLst/>
-          </a:prstGeom>
-          <a:noFill/>
-        </p:spPr>
-        <p:style>
-          <a:lnRef idx="2">
-            <a:schemeClr val="accent1">
-              <a:shade val="15000"/>
-            </a:schemeClr>
-          </a:lnRef>
-          <a:fillRef idx="1">
-            <a:schemeClr val="accent1"/>
-          </a:fillRef>
-          <a:effectRef idx="0">
-            <a:schemeClr val="accent1"/>
-          </a:effectRef>
-          <a:fontRef idx="minor">
-            <a:schemeClr val="lt1"/>
-          </a:fontRef>
-        </p:style>
-        <p:txBody>
-          <a:bodyPr rtlCol="0" anchor="ctr"/>
-          <a:lstStyle/>
-          <a:p>
-            <a:pPr algn="ctr"/>
-            <a:r>
-              <a:rPr lang="en-US" dirty="0">
-                <a:solidFill>
-                  <a:schemeClr val="tx1"/>
-                </a:solidFill>
-              </a:rPr>
-              <a:t>8</a:t>
-            </a:r>
-          </a:p>
-        </p:txBody>
-      </p:sp>
-      <p:sp>
-        <p:nvSpPr>
-          <p:cNvPr id="15" name="Rectangle 14">
-            <a:extLst>
-              <a:ext uri="{FF2B5EF4-FFF2-40B4-BE49-F238E27FC236}">
-                <a16:creationId xmlns:a16="http://schemas.microsoft.com/office/drawing/2014/main" id="{F0375165-4A8D-74DE-1247-C755ECFF5EBD}"/>
-              </a:ext>
-            </a:extLst>
-          </p:cNvPr>
-          <p:cNvSpPr/>
-          <p:nvPr/>
-        </p:nvSpPr>
-        <p:spPr>
-          <a:xfrm>
-            <a:off x="1766623" y="2113673"/>
-            <a:ext cx="429491" cy="429491"/>
-          </a:xfrm>
-          <a:prstGeom prst="rect">
-            <a:avLst/>
-          </a:prstGeom>
-          <a:noFill/>
-        </p:spPr>
-        <p:style>
-          <a:lnRef idx="2">
-            <a:schemeClr val="accent1">
-              <a:shade val="15000"/>
-            </a:schemeClr>
-          </a:lnRef>
-          <a:fillRef idx="1">
-            <a:schemeClr val="accent1"/>
-          </a:fillRef>
-          <a:effectRef idx="0">
-            <a:schemeClr val="accent1"/>
-          </a:effectRef>
-          <a:fontRef idx="minor">
-            <a:schemeClr val="lt1"/>
-          </a:fontRef>
-        </p:style>
-        <p:txBody>
-          <a:bodyPr rtlCol="0" anchor="ctr"/>
-          <a:lstStyle/>
-          <a:p>
-            <a:pPr algn="ctr"/>
-            <a:r>
-              <a:rPr lang="en-US" dirty="0">
-                <a:solidFill>
-                  <a:schemeClr val="tx1"/>
-                </a:solidFill>
-              </a:rPr>
-              <a:t>3</a:t>
-            </a:r>
-          </a:p>
-        </p:txBody>
-      </p:sp>
-      <p:sp>
-        <p:nvSpPr>
-          <p:cNvPr id="16" name="Rectangle 15">
-            <a:extLst>
-              <a:ext uri="{FF2B5EF4-FFF2-40B4-BE49-F238E27FC236}">
-                <a16:creationId xmlns:a16="http://schemas.microsoft.com/office/drawing/2014/main" id="{BB7117A7-7A11-B489-DDE9-A9DB3A93EDEF}"/>
-              </a:ext>
-            </a:extLst>
-          </p:cNvPr>
-          <p:cNvSpPr/>
-          <p:nvPr/>
-        </p:nvSpPr>
-        <p:spPr>
-          <a:xfrm>
-            <a:off x="1766623" y="2556591"/>
-            <a:ext cx="429491" cy="429491"/>
-          </a:xfrm>
-          <a:prstGeom prst="rect">
-            <a:avLst/>
-          </a:prstGeom>
-          <a:noFill/>
-        </p:spPr>
-        <p:style>
-          <a:lnRef idx="2">
-            <a:schemeClr val="accent1">
-              <a:shade val="15000"/>
-            </a:schemeClr>
-          </a:lnRef>
-          <a:fillRef idx="1">
-            <a:schemeClr val="accent1"/>
-          </a:fillRef>
-          <a:effectRef idx="0">
-            <a:schemeClr val="accent1"/>
-          </a:effectRef>
-          <a:fontRef idx="minor">
-            <a:schemeClr val="lt1"/>
-          </a:fontRef>
-        </p:style>
-        <p:txBody>
-          <a:bodyPr rtlCol="0" anchor="ctr"/>
-          <a:lstStyle/>
-          <a:p>
-            <a:pPr algn="ctr"/>
-            <a:r>
-              <a:rPr lang="en-US" dirty="0">
-                <a:solidFill>
-                  <a:schemeClr val="tx1"/>
-                </a:solidFill>
-              </a:rPr>
-              <a:t>6</a:t>
-            </a:r>
-          </a:p>
-        </p:txBody>
-      </p:sp>
-      <p:sp>
-        <p:nvSpPr>
-          <p:cNvPr id="17" name="Rectangle 16">
-            <a:extLst>
-              <a:ext uri="{FF2B5EF4-FFF2-40B4-BE49-F238E27FC236}">
-                <a16:creationId xmlns:a16="http://schemas.microsoft.com/office/drawing/2014/main" id="{D74ADD5C-8B45-F7E6-8AE6-DDC55FC08C44}"/>
-              </a:ext>
-            </a:extLst>
-          </p:cNvPr>
-          <p:cNvSpPr/>
-          <p:nvPr/>
-        </p:nvSpPr>
-        <p:spPr>
-          <a:xfrm>
-            <a:off x="1766623" y="2999509"/>
-            <a:ext cx="429491" cy="429491"/>
-          </a:xfrm>
-          <a:prstGeom prst="rect">
-            <a:avLst/>
-          </a:prstGeom>
-          <a:noFill/>
-        </p:spPr>
-        <p:style>
-          <a:lnRef idx="2">
-            <a:schemeClr val="accent1">
-              <a:shade val="15000"/>
-            </a:schemeClr>
-          </a:lnRef>
-          <a:fillRef idx="1">
-            <a:schemeClr val="accent1"/>
-          </a:fillRef>
-          <a:effectRef idx="0">
-            <a:schemeClr val="accent1"/>
-          </a:effectRef>
-          <a:fontRef idx="minor">
-            <a:schemeClr val="lt1"/>
-          </a:fontRef>
-        </p:style>
-        <p:txBody>
-          <a:bodyPr rtlCol="0" anchor="ctr"/>
-          <a:lstStyle/>
-          <a:p>
-            <a:pPr algn="ctr"/>
-            <a:r>
-              <a:rPr lang="en-US" dirty="0">
-                <a:solidFill>
-                  <a:schemeClr val="tx1"/>
-                </a:solidFill>
-              </a:rPr>
-              <a:t>9</a:t>
-            </a:r>
-          </a:p>
-        </p:txBody>
-      </p:sp>
-      <p:sp>
-        <p:nvSpPr>
-          <p:cNvPr id="5" name="Arrow: Right 4">
-            <a:extLst>
-              <a:ext uri="{FF2B5EF4-FFF2-40B4-BE49-F238E27FC236}">
-                <a16:creationId xmlns:a16="http://schemas.microsoft.com/office/drawing/2014/main" id="{F75A974F-5C14-9956-3315-A4BC1B9F906A}"/>
-              </a:ext>
-            </a:extLst>
-          </p:cNvPr>
-          <p:cNvSpPr/>
-          <p:nvPr/>
-        </p:nvSpPr>
-        <p:spPr>
-          <a:xfrm>
-            <a:off x="2509209" y="2587763"/>
-            <a:ext cx="575282" cy="367146"/>
-          </a:xfrm>
-          <a:prstGeom prst="rightArrow">
-            <a:avLst/>
-          </a:prstGeom>
-          <a:solidFill>
-            <a:srgbClr val="FFFF00"/>
-          </a:solidFill>
-        </p:spPr>
-        <p:style>
-          <a:lnRef idx="2">
-            <a:schemeClr val="accent1">
-              <a:shade val="15000"/>
-            </a:schemeClr>
-          </a:lnRef>
-          <a:fillRef idx="1">
-            <a:schemeClr val="accent1"/>
-          </a:fillRef>
-          <a:effectRef idx="0">
-            <a:schemeClr val="accent1"/>
-          </a:effectRef>
-          <a:fontRef idx="minor">
-            <a:schemeClr val="lt1"/>
-          </a:fontRef>
-        </p:style>
-        <p:txBody>
-          <a:bodyPr rtlCol="0" anchor="ctr"/>
-          <a:lstStyle/>
-          <a:p>
-            <a:pPr algn="ctr"/>
-            <a:endParaRPr lang="en-US"/>
-          </a:p>
-        </p:txBody>
-      </p:sp>
       <mc:AlternateContent xmlns:mc="http://schemas.openxmlformats.org/markup-compatibility/2006" xmlns:a14="http://schemas.microsoft.com/office/drawing/2010/main">
         <mc:Choice Requires="a14">
           <p:sp>
@@ -15115,6 +14580,700 @@
           </p:sp>
         </mc:Fallback>
       </mc:AlternateContent>
+      <p:sp>
+        <p:nvSpPr>
+          <p:cNvPr id="3" name="Rectangle 2">
+            <a:extLst>
+              <a:ext uri="{FF2B5EF4-FFF2-40B4-BE49-F238E27FC236}">
+                <a16:creationId xmlns:a16="http://schemas.microsoft.com/office/drawing/2014/main" id="{E1EC4485-33C3-314A-94F9-54AB35DA5716}"/>
+              </a:ext>
+            </a:extLst>
+          </p:cNvPr>
+          <p:cNvSpPr/>
+          <p:nvPr/>
+        </p:nvSpPr>
+        <p:spPr>
+          <a:xfrm>
+            <a:off x="877768" y="2113673"/>
+            <a:ext cx="429491" cy="429491"/>
+          </a:xfrm>
+          <a:prstGeom prst="rect">
+            <a:avLst/>
+          </a:prstGeom>
+          <a:noFill/>
+        </p:spPr>
+        <p:style>
+          <a:lnRef idx="2">
+            <a:schemeClr val="accent1">
+              <a:shade val="15000"/>
+            </a:schemeClr>
+          </a:lnRef>
+          <a:fillRef idx="1">
+            <a:schemeClr val="accent1"/>
+          </a:fillRef>
+          <a:effectRef idx="0">
+            <a:schemeClr val="accent1"/>
+          </a:effectRef>
+          <a:fontRef idx="minor">
+            <a:schemeClr val="lt1"/>
+          </a:fontRef>
+        </p:style>
+        <p:txBody>
+          <a:bodyPr rtlCol="0" anchor="ctr"/>
+          <a:lstStyle/>
+          <a:p>
+            <a:pPr algn="ctr"/>
+            <a:r>
+              <a:rPr lang="en-US" dirty="0">
+                <a:solidFill>
+                  <a:schemeClr val="tx1"/>
+                </a:solidFill>
+              </a:rPr>
+              <a:t>1</a:t>
+            </a:r>
+          </a:p>
+        </p:txBody>
+      </p:sp>
+      <p:sp>
+        <p:nvSpPr>
+          <p:cNvPr id="4" name="Rectangle 3">
+            <a:extLst>
+              <a:ext uri="{FF2B5EF4-FFF2-40B4-BE49-F238E27FC236}">
+                <a16:creationId xmlns:a16="http://schemas.microsoft.com/office/drawing/2014/main" id="{A3F15D0D-5C1E-0F08-52BA-B59A67CCEB23}"/>
+              </a:ext>
+            </a:extLst>
+          </p:cNvPr>
+          <p:cNvSpPr/>
+          <p:nvPr/>
+        </p:nvSpPr>
+        <p:spPr>
+          <a:xfrm>
+            <a:off x="877768" y="2556591"/>
+            <a:ext cx="429491" cy="429491"/>
+          </a:xfrm>
+          <a:prstGeom prst="rect">
+            <a:avLst/>
+          </a:prstGeom>
+          <a:noFill/>
+        </p:spPr>
+        <p:style>
+          <a:lnRef idx="2">
+            <a:schemeClr val="accent1">
+              <a:shade val="15000"/>
+            </a:schemeClr>
+          </a:lnRef>
+          <a:fillRef idx="1">
+            <a:schemeClr val="accent1"/>
+          </a:fillRef>
+          <a:effectRef idx="0">
+            <a:schemeClr val="accent1"/>
+          </a:effectRef>
+          <a:fontRef idx="minor">
+            <a:schemeClr val="lt1"/>
+          </a:fontRef>
+        </p:style>
+        <p:txBody>
+          <a:bodyPr rtlCol="0" anchor="ctr"/>
+          <a:lstStyle/>
+          <a:p>
+            <a:pPr algn="ctr"/>
+            <a:r>
+              <a:rPr lang="en-US" dirty="0">
+                <a:solidFill>
+                  <a:schemeClr val="tx1"/>
+                </a:solidFill>
+              </a:rPr>
+              <a:t>4</a:t>
+            </a:r>
+          </a:p>
+        </p:txBody>
+      </p:sp>
+      <p:sp>
+        <p:nvSpPr>
+          <p:cNvPr id="18" name="Rectangle 17">
+            <a:extLst>
+              <a:ext uri="{FF2B5EF4-FFF2-40B4-BE49-F238E27FC236}">
+                <a16:creationId xmlns:a16="http://schemas.microsoft.com/office/drawing/2014/main" id="{C18555E5-8F9A-3082-0BC6-EF1956E0B48C}"/>
+              </a:ext>
+            </a:extLst>
+          </p:cNvPr>
+          <p:cNvSpPr/>
+          <p:nvPr/>
+        </p:nvSpPr>
+        <p:spPr>
+          <a:xfrm>
+            <a:off x="877768" y="2999509"/>
+            <a:ext cx="429491" cy="429491"/>
+          </a:xfrm>
+          <a:prstGeom prst="rect">
+            <a:avLst/>
+          </a:prstGeom>
+          <a:noFill/>
+        </p:spPr>
+        <p:style>
+          <a:lnRef idx="2">
+            <a:schemeClr val="accent1">
+              <a:shade val="15000"/>
+            </a:schemeClr>
+          </a:lnRef>
+          <a:fillRef idx="1">
+            <a:schemeClr val="accent1"/>
+          </a:fillRef>
+          <a:effectRef idx="0">
+            <a:schemeClr val="accent1"/>
+          </a:effectRef>
+          <a:fontRef idx="minor">
+            <a:schemeClr val="lt1"/>
+          </a:fontRef>
+        </p:style>
+        <p:txBody>
+          <a:bodyPr rtlCol="0" anchor="ctr"/>
+          <a:lstStyle/>
+          <a:p>
+            <a:pPr algn="ctr"/>
+            <a:r>
+              <a:rPr lang="en-US" dirty="0">
+                <a:solidFill>
+                  <a:schemeClr val="tx1"/>
+                </a:solidFill>
+              </a:rPr>
+              <a:t>7</a:t>
+            </a:r>
+          </a:p>
+        </p:txBody>
+      </p:sp>
+      <p:sp>
+        <p:nvSpPr>
+          <p:cNvPr id="19" name="Rectangle 18">
+            <a:extLst>
+              <a:ext uri="{FF2B5EF4-FFF2-40B4-BE49-F238E27FC236}">
+                <a16:creationId xmlns:a16="http://schemas.microsoft.com/office/drawing/2014/main" id="{5FC5D374-7A1B-50BD-E6AD-00543BC93693}"/>
+              </a:ext>
+            </a:extLst>
+          </p:cNvPr>
+          <p:cNvSpPr/>
+          <p:nvPr/>
+        </p:nvSpPr>
+        <p:spPr>
+          <a:xfrm>
+            <a:off x="1317000" y="2113673"/>
+            <a:ext cx="429491" cy="429491"/>
+          </a:xfrm>
+          <a:prstGeom prst="rect">
+            <a:avLst/>
+          </a:prstGeom>
+          <a:noFill/>
+        </p:spPr>
+        <p:style>
+          <a:lnRef idx="2">
+            <a:schemeClr val="accent1">
+              <a:shade val="15000"/>
+            </a:schemeClr>
+          </a:lnRef>
+          <a:fillRef idx="1">
+            <a:schemeClr val="accent1"/>
+          </a:fillRef>
+          <a:effectRef idx="0">
+            <a:schemeClr val="accent1"/>
+          </a:effectRef>
+          <a:fontRef idx="minor">
+            <a:schemeClr val="lt1"/>
+          </a:fontRef>
+        </p:style>
+        <p:txBody>
+          <a:bodyPr rtlCol="0" anchor="ctr"/>
+          <a:lstStyle/>
+          <a:p>
+            <a:pPr algn="ctr"/>
+            <a:r>
+              <a:rPr lang="en-US" dirty="0">
+                <a:solidFill>
+                  <a:schemeClr val="tx1"/>
+                </a:solidFill>
+              </a:rPr>
+              <a:t>2</a:t>
+            </a:r>
+          </a:p>
+        </p:txBody>
+      </p:sp>
+      <p:sp>
+        <p:nvSpPr>
+          <p:cNvPr id="20" name="Rectangle 19">
+            <a:extLst>
+              <a:ext uri="{FF2B5EF4-FFF2-40B4-BE49-F238E27FC236}">
+                <a16:creationId xmlns:a16="http://schemas.microsoft.com/office/drawing/2014/main" id="{ACDD19AC-B9A2-C445-9A5E-1134406FCDEA}"/>
+              </a:ext>
+            </a:extLst>
+          </p:cNvPr>
+          <p:cNvSpPr/>
+          <p:nvPr/>
+        </p:nvSpPr>
+        <p:spPr>
+          <a:xfrm>
+            <a:off x="1317000" y="2556591"/>
+            <a:ext cx="429491" cy="429491"/>
+          </a:xfrm>
+          <a:prstGeom prst="rect">
+            <a:avLst/>
+          </a:prstGeom>
+          <a:noFill/>
+        </p:spPr>
+        <p:style>
+          <a:lnRef idx="2">
+            <a:schemeClr val="accent1">
+              <a:shade val="15000"/>
+            </a:schemeClr>
+          </a:lnRef>
+          <a:fillRef idx="1">
+            <a:schemeClr val="accent1"/>
+          </a:fillRef>
+          <a:effectRef idx="0">
+            <a:schemeClr val="accent1"/>
+          </a:effectRef>
+          <a:fontRef idx="minor">
+            <a:schemeClr val="lt1"/>
+          </a:fontRef>
+        </p:style>
+        <p:txBody>
+          <a:bodyPr rtlCol="0" anchor="ctr"/>
+          <a:lstStyle/>
+          <a:p>
+            <a:pPr algn="ctr"/>
+            <a:r>
+              <a:rPr lang="en-US" dirty="0">
+                <a:solidFill>
+                  <a:srgbClr val="FF0000"/>
+                </a:solidFill>
+              </a:rPr>
+              <a:t>?</a:t>
+            </a:r>
+          </a:p>
+        </p:txBody>
+      </p:sp>
+      <p:sp>
+        <p:nvSpPr>
+          <p:cNvPr id="21" name="Rectangle 20">
+            <a:extLst>
+              <a:ext uri="{FF2B5EF4-FFF2-40B4-BE49-F238E27FC236}">
+                <a16:creationId xmlns:a16="http://schemas.microsoft.com/office/drawing/2014/main" id="{571531D4-F986-9788-13FD-C92C576CA3C7}"/>
+              </a:ext>
+            </a:extLst>
+          </p:cNvPr>
+          <p:cNvSpPr/>
+          <p:nvPr/>
+        </p:nvSpPr>
+        <p:spPr>
+          <a:xfrm>
+            <a:off x="1317000" y="2999509"/>
+            <a:ext cx="429491" cy="429491"/>
+          </a:xfrm>
+          <a:prstGeom prst="rect">
+            <a:avLst/>
+          </a:prstGeom>
+          <a:noFill/>
+        </p:spPr>
+        <p:style>
+          <a:lnRef idx="2">
+            <a:schemeClr val="accent1">
+              <a:shade val="15000"/>
+            </a:schemeClr>
+          </a:lnRef>
+          <a:fillRef idx="1">
+            <a:schemeClr val="accent1"/>
+          </a:fillRef>
+          <a:effectRef idx="0">
+            <a:schemeClr val="accent1"/>
+          </a:effectRef>
+          <a:fontRef idx="minor">
+            <a:schemeClr val="lt1"/>
+          </a:fontRef>
+        </p:style>
+        <p:txBody>
+          <a:bodyPr rtlCol="0" anchor="ctr"/>
+          <a:lstStyle/>
+          <a:p>
+            <a:pPr algn="ctr"/>
+            <a:r>
+              <a:rPr lang="en-US" dirty="0">
+                <a:solidFill>
+                  <a:schemeClr val="tx1"/>
+                </a:solidFill>
+              </a:rPr>
+              <a:t>8</a:t>
+            </a:r>
+          </a:p>
+        </p:txBody>
+      </p:sp>
+      <p:sp>
+        <p:nvSpPr>
+          <p:cNvPr id="22" name="Rectangle 21">
+            <a:extLst>
+              <a:ext uri="{FF2B5EF4-FFF2-40B4-BE49-F238E27FC236}">
+                <a16:creationId xmlns:a16="http://schemas.microsoft.com/office/drawing/2014/main" id="{D319CA35-168E-147C-4EC5-D3471E939CCA}"/>
+              </a:ext>
+            </a:extLst>
+          </p:cNvPr>
+          <p:cNvSpPr/>
+          <p:nvPr/>
+        </p:nvSpPr>
+        <p:spPr>
+          <a:xfrm>
+            <a:off x="1766623" y="2113673"/>
+            <a:ext cx="429491" cy="429491"/>
+          </a:xfrm>
+          <a:prstGeom prst="rect">
+            <a:avLst/>
+          </a:prstGeom>
+          <a:noFill/>
+        </p:spPr>
+        <p:style>
+          <a:lnRef idx="2">
+            <a:schemeClr val="accent1">
+              <a:shade val="15000"/>
+            </a:schemeClr>
+          </a:lnRef>
+          <a:fillRef idx="1">
+            <a:schemeClr val="accent1"/>
+          </a:fillRef>
+          <a:effectRef idx="0">
+            <a:schemeClr val="accent1"/>
+          </a:effectRef>
+          <a:fontRef idx="minor">
+            <a:schemeClr val="lt1"/>
+          </a:fontRef>
+        </p:style>
+        <p:txBody>
+          <a:bodyPr rtlCol="0" anchor="ctr"/>
+          <a:lstStyle/>
+          <a:p>
+            <a:pPr algn="ctr"/>
+            <a:r>
+              <a:rPr lang="en-US" dirty="0">
+                <a:solidFill>
+                  <a:schemeClr val="tx1"/>
+                </a:solidFill>
+              </a:rPr>
+              <a:t>3</a:t>
+            </a:r>
+          </a:p>
+        </p:txBody>
+      </p:sp>
+      <p:sp>
+        <p:nvSpPr>
+          <p:cNvPr id="23" name="Rectangle 22">
+            <a:extLst>
+              <a:ext uri="{FF2B5EF4-FFF2-40B4-BE49-F238E27FC236}">
+                <a16:creationId xmlns:a16="http://schemas.microsoft.com/office/drawing/2014/main" id="{B75B1C51-6088-490A-57D5-8F847C1C12BD}"/>
+              </a:ext>
+            </a:extLst>
+          </p:cNvPr>
+          <p:cNvSpPr/>
+          <p:nvPr/>
+        </p:nvSpPr>
+        <p:spPr>
+          <a:xfrm>
+            <a:off x="1766623" y="2556591"/>
+            <a:ext cx="429491" cy="429491"/>
+          </a:xfrm>
+          <a:prstGeom prst="rect">
+            <a:avLst/>
+          </a:prstGeom>
+          <a:noFill/>
+        </p:spPr>
+        <p:style>
+          <a:lnRef idx="2">
+            <a:schemeClr val="accent1">
+              <a:shade val="15000"/>
+            </a:schemeClr>
+          </a:lnRef>
+          <a:fillRef idx="1">
+            <a:schemeClr val="accent1"/>
+          </a:fillRef>
+          <a:effectRef idx="0">
+            <a:schemeClr val="accent1"/>
+          </a:effectRef>
+          <a:fontRef idx="minor">
+            <a:schemeClr val="lt1"/>
+          </a:fontRef>
+        </p:style>
+        <p:txBody>
+          <a:bodyPr rtlCol="0" anchor="ctr"/>
+          <a:lstStyle/>
+          <a:p>
+            <a:pPr algn="ctr"/>
+            <a:r>
+              <a:rPr lang="en-US" dirty="0">
+                <a:solidFill>
+                  <a:schemeClr val="tx1"/>
+                </a:solidFill>
+              </a:rPr>
+              <a:t>6</a:t>
+            </a:r>
+          </a:p>
+        </p:txBody>
+      </p:sp>
+      <p:sp>
+        <p:nvSpPr>
+          <p:cNvPr id="24" name="Rectangle 23">
+            <a:extLst>
+              <a:ext uri="{FF2B5EF4-FFF2-40B4-BE49-F238E27FC236}">
+                <a16:creationId xmlns:a16="http://schemas.microsoft.com/office/drawing/2014/main" id="{2A1C29BE-A2C5-9112-3406-77C4E6B04C5F}"/>
+              </a:ext>
+            </a:extLst>
+          </p:cNvPr>
+          <p:cNvSpPr/>
+          <p:nvPr/>
+        </p:nvSpPr>
+        <p:spPr>
+          <a:xfrm>
+            <a:off x="1766623" y="2999509"/>
+            <a:ext cx="429491" cy="429491"/>
+          </a:xfrm>
+          <a:prstGeom prst="rect">
+            <a:avLst/>
+          </a:prstGeom>
+          <a:noFill/>
+        </p:spPr>
+        <p:style>
+          <a:lnRef idx="2">
+            <a:schemeClr val="accent1">
+              <a:shade val="15000"/>
+            </a:schemeClr>
+          </a:lnRef>
+          <a:fillRef idx="1">
+            <a:schemeClr val="accent1"/>
+          </a:fillRef>
+          <a:effectRef idx="0">
+            <a:schemeClr val="accent1"/>
+          </a:effectRef>
+          <a:fontRef idx="minor">
+            <a:schemeClr val="lt1"/>
+          </a:fontRef>
+        </p:style>
+        <p:txBody>
+          <a:bodyPr rtlCol="0" anchor="ctr"/>
+          <a:lstStyle/>
+          <a:p>
+            <a:pPr algn="ctr"/>
+            <a:r>
+              <a:rPr lang="en-US" dirty="0">
+                <a:solidFill>
+                  <a:schemeClr val="tx1"/>
+                </a:solidFill>
+              </a:rPr>
+              <a:t>9</a:t>
+            </a:r>
+          </a:p>
+        </p:txBody>
+      </p:sp>
+      <p:sp>
+        <p:nvSpPr>
+          <p:cNvPr id="25" name="Arrow: Right 24">
+            <a:extLst>
+              <a:ext uri="{FF2B5EF4-FFF2-40B4-BE49-F238E27FC236}">
+                <a16:creationId xmlns:a16="http://schemas.microsoft.com/office/drawing/2014/main" id="{9D8AE6DE-B62B-1D4D-00F8-6727099A1A69}"/>
+              </a:ext>
+            </a:extLst>
+          </p:cNvPr>
+          <p:cNvSpPr/>
+          <p:nvPr/>
+        </p:nvSpPr>
+        <p:spPr>
+          <a:xfrm>
+            <a:off x="2509209" y="2587763"/>
+            <a:ext cx="575282" cy="367146"/>
+          </a:xfrm>
+          <a:prstGeom prst="rightArrow">
+            <a:avLst/>
+          </a:prstGeom>
+          <a:solidFill>
+            <a:srgbClr val="FFFF00"/>
+          </a:solidFill>
+        </p:spPr>
+        <p:style>
+          <a:lnRef idx="2">
+            <a:schemeClr val="accent1">
+              <a:shade val="15000"/>
+            </a:schemeClr>
+          </a:lnRef>
+          <a:fillRef idx="1">
+            <a:schemeClr val="accent1"/>
+          </a:fillRef>
+          <a:effectRef idx="0">
+            <a:schemeClr val="accent1"/>
+          </a:effectRef>
+          <a:fontRef idx="minor">
+            <a:schemeClr val="lt1"/>
+          </a:fontRef>
+        </p:style>
+        <p:txBody>
+          <a:bodyPr rtlCol="0" anchor="ctr"/>
+          <a:lstStyle/>
+          <a:p>
+            <a:pPr algn="ctr"/>
+            <a:endParaRPr lang="en-US"/>
+          </a:p>
+        </p:txBody>
+      </p:sp>
+      <p:cxnSp>
+        <p:nvCxnSpPr>
+          <p:cNvPr id="26" name="Straight Arrow Connector 25">
+            <a:extLst>
+              <a:ext uri="{FF2B5EF4-FFF2-40B4-BE49-F238E27FC236}">
+                <a16:creationId xmlns:a16="http://schemas.microsoft.com/office/drawing/2014/main" id="{6CDB6828-817C-D5DE-A30F-75705448C402}"/>
+              </a:ext>
+            </a:extLst>
+          </p:cNvPr>
+          <p:cNvCxnSpPr>
+            <a:cxnSpLocks/>
+          </p:cNvCxnSpPr>
+          <p:nvPr/>
+        </p:nvCxnSpPr>
+        <p:spPr>
+          <a:xfrm>
+            <a:off x="713677" y="3567502"/>
+            <a:ext cx="2034778" cy="0"/>
+          </a:xfrm>
+          <a:prstGeom prst="straightConnector1">
+            <a:avLst/>
+          </a:prstGeom>
+          <a:ln w="63500">
+            <a:solidFill>
+              <a:schemeClr val="tx1"/>
+            </a:solidFill>
+            <a:tailEnd type="triangle" w="lg" len="lg"/>
+          </a:ln>
+        </p:spPr>
+        <p:style>
+          <a:lnRef idx="1">
+            <a:schemeClr val="accent1"/>
+          </a:lnRef>
+          <a:fillRef idx="0">
+            <a:schemeClr val="accent1"/>
+          </a:fillRef>
+          <a:effectRef idx="0">
+            <a:schemeClr val="accent1"/>
+          </a:effectRef>
+          <a:fontRef idx="minor">
+            <a:schemeClr val="tx1"/>
+          </a:fontRef>
+        </p:style>
+      </p:cxnSp>
+      <p:sp>
+        <p:nvSpPr>
+          <p:cNvPr id="27" name="TextBox 26">
+            <a:extLst>
+              <a:ext uri="{FF2B5EF4-FFF2-40B4-BE49-F238E27FC236}">
+                <a16:creationId xmlns:a16="http://schemas.microsoft.com/office/drawing/2014/main" id="{5A37957F-B712-3920-B2F7-2957152ED9F6}"/>
+              </a:ext>
+            </a:extLst>
+          </p:cNvPr>
+          <p:cNvSpPr txBox="1"/>
+          <p:nvPr/>
+        </p:nvSpPr>
+        <p:spPr>
+          <a:xfrm>
+            <a:off x="1393066" y="3486849"/>
+            <a:ext cx="408709" cy="400110"/>
+          </a:xfrm>
+          <a:prstGeom prst="rect">
+            <a:avLst/>
+          </a:prstGeom>
+          <a:noFill/>
+        </p:spPr>
+        <p:txBody>
+          <a:bodyPr wrap="square">
+            <a:spAutoFit/>
+          </a:bodyPr>
+          <a:lstStyle/>
+          <a:p>
+            <a:r>
+              <a:rPr lang="en-US" sz="2000" dirty="0" err="1"/>
+              <a:t>i</a:t>
+            </a:r>
+            <a:endParaRPr lang="en-US" sz="2000" dirty="0"/>
+          </a:p>
+        </p:txBody>
+      </p:sp>
+      <p:cxnSp>
+        <p:nvCxnSpPr>
+          <p:cNvPr id="28" name="Straight Arrow Connector 27">
+            <a:extLst>
+              <a:ext uri="{FF2B5EF4-FFF2-40B4-BE49-F238E27FC236}">
+                <a16:creationId xmlns:a16="http://schemas.microsoft.com/office/drawing/2014/main" id="{2C6D6811-3068-14F4-066B-F7C310361AC2}"/>
+              </a:ext>
+            </a:extLst>
+          </p:cNvPr>
+          <p:cNvCxnSpPr>
+            <a:cxnSpLocks/>
+          </p:cNvCxnSpPr>
+          <p:nvPr/>
+        </p:nvCxnSpPr>
+        <p:spPr>
+          <a:xfrm flipV="1">
+            <a:off x="734368" y="1727074"/>
+            <a:ext cx="0" cy="1861265"/>
+          </a:xfrm>
+          <a:prstGeom prst="straightConnector1">
+            <a:avLst/>
+          </a:prstGeom>
+          <a:ln w="63500">
+            <a:solidFill>
+              <a:schemeClr val="tx1"/>
+            </a:solidFill>
+            <a:tailEnd type="triangle" w="lg" len="lg"/>
+          </a:ln>
+        </p:spPr>
+        <p:style>
+          <a:lnRef idx="1">
+            <a:schemeClr val="accent1"/>
+          </a:lnRef>
+          <a:fillRef idx="0">
+            <a:schemeClr val="accent1"/>
+          </a:fillRef>
+          <a:effectRef idx="0">
+            <a:schemeClr val="accent1"/>
+          </a:effectRef>
+          <a:fontRef idx="minor">
+            <a:schemeClr val="tx1"/>
+          </a:fontRef>
+        </p:style>
+      </p:cxnSp>
+      <p:sp>
+        <p:nvSpPr>
+          <p:cNvPr id="29" name="TextBox 28">
+            <a:extLst>
+              <a:ext uri="{FF2B5EF4-FFF2-40B4-BE49-F238E27FC236}">
+                <a16:creationId xmlns:a16="http://schemas.microsoft.com/office/drawing/2014/main" id="{1EDA200E-8AB9-4D6A-1C32-0F9EA60E5C42}"/>
+              </a:ext>
+            </a:extLst>
+          </p:cNvPr>
+          <p:cNvSpPr txBox="1"/>
+          <p:nvPr/>
+        </p:nvSpPr>
+        <p:spPr>
+          <a:xfrm flipH="1">
+            <a:off x="417118" y="2571281"/>
+            <a:ext cx="322122" cy="400110"/>
+          </a:xfrm>
+          <a:prstGeom prst="rect">
+            <a:avLst/>
+          </a:prstGeom>
+          <a:noFill/>
+        </p:spPr>
+        <p:txBody>
+          <a:bodyPr wrap="square">
+            <a:spAutoFit/>
+          </a:bodyPr>
+          <a:lstStyle/>
+          <a:p>
+            <a:r>
+              <a:rPr lang="en-US" sz="2000" dirty="0"/>
+              <a:t>j</a:t>
+            </a:r>
+          </a:p>
+        </p:txBody>
+      </p:sp>
     </p:spTree>
     <p:extLst>
       <p:ext uri="{BB962C8B-B14F-4D97-AF65-F5344CB8AC3E}">
@@ -15137,9 +15296,6 @@
                     <p:cTn id="3" fill="hold">
                       <p:stCondLst>
                         <p:cond delay="indefinite"/>
-                        <p:cond evt="onBegin" delay="0">
-                          <p:tn val="2"/>
-                        </p:cond>
                       </p:stCondLst>
                       <p:childTnLst>
                         <p:par>
@@ -15149,7 +15305,7 @@
                             </p:stCondLst>
                             <p:childTnLst>
                               <p:par>
-                                <p:cTn id="5" presetID="22" presetClass="entr" presetSubtype="1" fill="hold" grpId="0" nodeType="withEffect">
+                                <p:cTn id="5" presetID="1" presetClass="entr" presetSubtype="0" fill="hold" grpId="0" nodeType="clickEffect">
                                   <p:stCondLst>
                                     <p:cond delay="0"/>
                                   </p:stCondLst>
@@ -15157,59 +15313,6 @@
                                     <p:set>
                                       <p:cBhvr>
                                         <p:cTn id="6" dur="1" fill="hold">
-                                          <p:stCondLst>
-                                            <p:cond delay="0"/>
-                                          </p:stCondLst>
-                                        </p:cTn>
-                                        <p:tgtEl>
-                                          <p:spTgt spid="5"/>
-                                        </p:tgtEl>
-                                        <p:attrNameLst>
-                                          <p:attrName>style.visibility</p:attrName>
-                                        </p:attrNameLst>
-                                      </p:cBhvr>
-                                      <p:to>
-                                        <p:strVal val="visible"/>
-                                      </p:to>
-                                    </p:set>
-                                    <p:animEffect transition="in" filter="wipe(up)">
-                                      <p:cBhvr>
-                                        <p:cTn id="7" dur="500"/>
-                                        <p:tgtEl>
-                                          <p:spTgt spid="5"/>
-                                        </p:tgtEl>
-                                      </p:cBhvr>
-                                    </p:animEffect>
-                                  </p:childTnLst>
-                                </p:cTn>
-                              </p:par>
-                            </p:childTnLst>
-                          </p:cTn>
-                        </p:par>
-                      </p:childTnLst>
-                    </p:cTn>
-                  </p:par>
-                  <p:par>
-                    <p:cTn id="8" fill="hold">
-                      <p:stCondLst>
-                        <p:cond delay="indefinite"/>
-                      </p:stCondLst>
-                      <p:childTnLst>
-                        <p:par>
-                          <p:cTn id="9" fill="hold">
-                            <p:stCondLst>
-                              <p:cond delay="0"/>
-                            </p:stCondLst>
-                            <p:childTnLst>
-                              <p:par>
-                                <p:cTn id="10" presetID="1" presetClass="entr" presetSubtype="0" fill="hold" grpId="0" nodeType="clickEffect">
-                                  <p:stCondLst>
-                                    <p:cond delay="0"/>
-                                  </p:stCondLst>
-                                  <p:childTnLst>
-                                    <p:set>
-                                      <p:cBhvr>
-                                        <p:cTn id="11" dur="1" fill="hold">
                                           <p:stCondLst>
                                             <p:cond delay="0"/>
                                           </p:stCondLst>
@@ -15256,7 +15359,6 @@
       </p:par>
     </p:tnLst>
     <p:bldLst>
-      <p:bldP spid="5" grpId="0" animBg="1"/>
       <p:bldP spid="6" grpId="0"/>
     </p:bldLst>
   </p:timing>
